--- a/Vendor_Boards/Great_Cow_Basic_Demo_Board/16F17556_chiprange_demonstrations/tutorials/GCBASIC_Part13_GLCD_SPI.pptx
+++ b/Vendor_Boards/Great_Cow_Basic_Demo_Board/16F17556_chiprange_demonstrations/tutorials/GCBASIC_Part13_GLCD_SPI.pptx
@@ -5,29 +5,28 @@
     <p:sldMasterId id="2147483660" r:id="rId1"/>
   </p:sldMasterIdLst>
   <p:notesMasterIdLst>
-    <p:notesMasterId r:id="rId19"/>
+    <p:notesMasterId r:id="rId18"/>
   </p:notesMasterIdLst>
   <p:handoutMasterIdLst>
-    <p:handoutMasterId r:id="rId20"/>
+    <p:handoutMasterId r:id="rId19"/>
   </p:handoutMasterIdLst>
   <p:sldIdLst>
     <p:sldId id="294" r:id="rId2"/>
     <p:sldId id="256" r:id="rId3"/>
     <p:sldId id="295" r:id="rId4"/>
-    <p:sldId id="283" r:id="rId5"/>
+    <p:sldId id="359" r:id="rId5"/>
     <p:sldId id="296" r:id="rId6"/>
     <p:sldId id="282" r:id="rId7"/>
     <p:sldId id="291" r:id="rId8"/>
-    <p:sldId id="350" r:id="rId9"/>
-    <p:sldId id="354" r:id="rId10"/>
-    <p:sldId id="348" r:id="rId11"/>
-    <p:sldId id="355" r:id="rId12"/>
-    <p:sldId id="356" r:id="rId13"/>
-    <p:sldId id="357" r:id="rId14"/>
+    <p:sldId id="354" r:id="rId9"/>
+    <p:sldId id="348" r:id="rId10"/>
+    <p:sldId id="355" r:id="rId11"/>
+    <p:sldId id="356" r:id="rId12"/>
+    <p:sldId id="357" r:id="rId13"/>
+    <p:sldId id="358" r:id="rId14"/>
     <p:sldId id="288" r:id="rId15"/>
-    <p:sldId id="358" r:id="rId16"/>
-    <p:sldId id="353" r:id="rId17"/>
-    <p:sldId id="352" r:id="rId18"/>
+    <p:sldId id="353" r:id="rId16"/>
+    <p:sldId id="352" r:id="rId17"/>
   </p:sldIdLst>
   <p:sldSz cx="9144000" cy="5143500" type="screen16x9"/>
   <p:notesSz cx="6858000" cy="9144000"/>
@@ -212,7 +211,7 @@
             <a:fld id="{742E545A-AB39-44F0-B5A6-04A90C6C9399}" type="datetimeFigureOut">
               <a:rPr lang="en-GB" smtClean="0"/>
               <a:pPr/>
-              <a:t>10/12/2024</a:t>
+              <a:t>11/12/2025</a:t>
             </a:fld>
             <a:endParaRPr lang="en-GB" dirty="0"/>
           </a:p>
@@ -379,7 +378,7 @@
             <a:fld id="{FF100B3C-2E11-428B-8555-A77018253716}" type="datetimeFigureOut">
               <a:rPr lang="en-GB" smtClean="0"/>
               <a:pPr/>
-              <a:t>10/12/2024</a:t>
+              <a:t>11/12/2025</a:t>
             </a:fld>
             <a:endParaRPr lang="en-GB" dirty="0"/>
           </a:p>
@@ -757,7 +756,7 @@
           <p:cNvPr id="7" name="Rectangle 6">
             <a:extLst>
               <a:ext uri="{FF2B5EF4-FFF2-40B4-BE49-F238E27FC236}">
-                <a16:creationId xmlns:a16="http://schemas.microsoft.com/office/drawing/2014/main" xmlns="" id="{9C757326-0232-4CDF-81FF-302CA676961B}"/>
+                <a16:creationId xmlns="" xmlns:a16="http://schemas.microsoft.com/office/drawing/2014/main" id="{9C757326-0232-4CDF-81FF-302CA676961B}"/>
               </a:ext>
             </a:extLst>
           </p:cNvPr>
@@ -809,7 +808,7 @@
           <p:cNvPr id="8" name="Picture 7">
             <a:extLst>
               <a:ext uri="{FF2B5EF4-FFF2-40B4-BE49-F238E27FC236}">
-                <a16:creationId xmlns:a16="http://schemas.microsoft.com/office/drawing/2014/main" xmlns="" id="{4987E008-68E6-4A43-85BC-1A6ACDF91DE1}"/>
+                <a16:creationId xmlns="" xmlns:a16="http://schemas.microsoft.com/office/drawing/2014/main" id="{4987E008-68E6-4A43-85BC-1A6ACDF91DE1}"/>
               </a:ext>
             </a:extLst>
           </p:cNvPr>
@@ -838,7 +837,7 @@
           <p:cNvPr id="11" name="Picture 10">
             <a:extLst>
               <a:ext uri="{FF2B5EF4-FFF2-40B4-BE49-F238E27FC236}">
-                <a16:creationId xmlns:a16="http://schemas.microsoft.com/office/drawing/2014/main" xmlns="" id="{A1F8C892-C868-4DF6-91AB-B18CE632B10F}"/>
+                <a16:creationId xmlns="" xmlns:a16="http://schemas.microsoft.com/office/drawing/2014/main" id="{A1F8C892-C868-4DF6-91AB-B18CE632B10F}"/>
               </a:ext>
             </a:extLst>
           </p:cNvPr>
@@ -1024,7 +1023,7 @@
           <p:cNvPr id="12" name="Text Placeholder 2">
             <a:extLst>
               <a:ext uri="{FF2B5EF4-FFF2-40B4-BE49-F238E27FC236}">
-                <a16:creationId xmlns:a16="http://schemas.microsoft.com/office/drawing/2014/main" xmlns="" id="{D547E580-E6D6-4D97-BB04-05795A830147}"/>
+                <a16:creationId xmlns="" xmlns:a16="http://schemas.microsoft.com/office/drawing/2014/main" id="{D547E580-E6D6-4D97-BB04-05795A830147}"/>
               </a:ext>
             </a:extLst>
           </p:cNvPr>
@@ -1177,7 +1176,7 @@
           <p:cNvPr id="9" name="Picture 8">
             <a:extLst>
               <a:ext uri="{FF2B5EF4-FFF2-40B4-BE49-F238E27FC236}">
-                <a16:creationId xmlns:a16="http://schemas.microsoft.com/office/drawing/2014/main" xmlns="" id="{7CE2C968-D10A-4226-8FDC-CBC4C7EDD0B7}"/>
+                <a16:creationId xmlns="" xmlns:a16="http://schemas.microsoft.com/office/drawing/2014/main" id="{7CE2C968-D10A-4226-8FDC-CBC4C7EDD0B7}"/>
               </a:ext>
             </a:extLst>
           </p:cNvPr>
@@ -1379,7 +1378,7 @@
             <a:fld id="{C473AACB-D821-4991-9D88-46EB8D29E619}" type="datetimeFigureOut">
               <a:rPr lang="en-GB" smtClean="0"/>
               <a:pPr/>
-              <a:t>10/12/2024</a:t>
+              <a:t>11/12/2025</a:t>
             </a:fld>
             <a:endParaRPr lang="en-GB" dirty="0"/>
           </a:p>
@@ -1463,7 +1462,7 @@
           <p:cNvPr id="9" name="Picture 8">
             <a:extLst>
               <a:ext uri="{FF2B5EF4-FFF2-40B4-BE49-F238E27FC236}">
-                <a16:creationId xmlns:a16="http://schemas.microsoft.com/office/drawing/2014/main" xmlns="" id="{6AB5D66D-00C1-40EA-BFC8-305566F10369}"/>
+                <a16:creationId xmlns="" xmlns:a16="http://schemas.microsoft.com/office/drawing/2014/main" id="{6AB5D66D-00C1-40EA-BFC8-305566F10369}"/>
               </a:ext>
             </a:extLst>
           </p:cNvPr>
@@ -1673,7 +1672,7 @@
             <a:fld id="{C473AACB-D821-4991-9D88-46EB8D29E619}" type="datetimeFigureOut">
               <a:rPr lang="en-GB" smtClean="0"/>
               <a:pPr/>
-              <a:t>10/12/2024</a:t>
+              <a:t>11/12/2025</a:t>
             </a:fld>
             <a:endParaRPr lang="en-GB" dirty="0"/>
           </a:p>
@@ -1926,7 +1925,7 @@
             <a:fld id="{C473AACB-D821-4991-9D88-46EB8D29E619}" type="datetimeFigureOut">
               <a:rPr lang="en-GB" smtClean="0"/>
               <a:pPr/>
-              <a:t>10/12/2024</a:t>
+              <a:t>11/12/2025</a:t>
             </a:fld>
             <a:endParaRPr lang="en-GB" dirty="0"/>
           </a:p>
@@ -1980,7 +1979,7 @@
           <p:cNvPr id="8" name="Picture 7">
             <a:extLst>
               <a:ext uri="{FF2B5EF4-FFF2-40B4-BE49-F238E27FC236}">
-                <a16:creationId xmlns:a16="http://schemas.microsoft.com/office/drawing/2014/main" xmlns="" id="{AD4D4CB4-D965-4BB6-B218-086244C13BAE}"/>
+                <a16:creationId xmlns="" xmlns:a16="http://schemas.microsoft.com/office/drawing/2014/main" id="{AD4D4CB4-D965-4BB6-B218-086244C13BAE}"/>
               </a:ext>
             </a:extLst>
           </p:cNvPr>
@@ -2271,7 +2270,7 @@
             <a:fld id="{C473AACB-D821-4991-9D88-46EB8D29E619}" type="datetimeFigureOut">
               <a:rPr lang="en-GB" smtClean="0"/>
               <a:pPr/>
-              <a:t>10/12/2024</a:t>
+              <a:t>11/12/2025</a:t>
             </a:fld>
             <a:endParaRPr lang="en-GB" dirty="0"/>
           </a:p>
@@ -2415,7 +2414,7 @@
           <p:cNvPr id="11" name="Picture 10">
             <a:extLst>
               <a:ext uri="{FF2B5EF4-FFF2-40B4-BE49-F238E27FC236}">
-                <a16:creationId xmlns:a16="http://schemas.microsoft.com/office/drawing/2014/main" xmlns="" id="{A3B58C4E-0EF0-466C-9740-EC9F485CBD03}"/>
+                <a16:creationId xmlns="" xmlns:a16="http://schemas.microsoft.com/office/drawing/2014/main" id="{A3B58C4E-0EF0-466C-9740-EC9F485CBD03}"/>
               </a:ext>
             </a:extLst>
           </p:cNvPr>
@@ -2643,7 +2642,7 @@
             <a:fld id="{C473AACB-D821-4991-9D88-46EB8D29E619}" type="datetimeFigureOut">
               <a:rPr lang="en-GB" smtClean="0"/>
               <a:pPr/>
-              <a:t>10/12/2024</a:t>
+              <a:t>11/12/2025</a:t>
             </a:fld>
             <a:endParaRPr lang="en-GB" dirty="0"/>
           </a:p>
@@ -2697,7 +2696,7 @@
           <p:cNvPr id="7" name="Picture 6">
             <a:extLst>
               <a:ext uri="{FF2B5EF4-FFF2-40B4-BE49-F238E27FC236}">
-                <a16:creationId xmlns:a16="http://schemas.microsoft.com/office/drawing/2014/main" xmlns="" id="{2D0B9223-1250-44AA-A6C3-F2013B85AEF3}"/>
+                <a16:creationId xmlns="" xmlns:a16="http://schemas.microsoft.com/office/drawing/2014/main" id="{2D0B9223-1250-44AA-A6C3-F2013B85AEF3}"/>
               </a:ext>
             </a:extLst>
           </p:cNvPr>
@@ -2989,7 +2988,7 @@
             <a:fld id="{C473AACB-D821-4991-9D88-46EB8D29E619}" type="datetimeFigureOut">
               <a:rPr lang="en-GB" smtClean="0"/>
               <a:pPr/>
-              <a:t>10/12/2024</a:t>
+              <a:t>11/12/2025</a:t>
             </a:fld>
             <a:endParaRPr lang="en-GB" dirty="0"/>
           </a:p>
@@ -3125,7 +3124,7 @@
           <p:cNvPr id="11" name="Picture 10">
             <a:extLst>
               <a:ext uri="{FF2B5EF4-FFF2-40B4-BE49-F238E27FC236}">
-                <a16:creationId xmlns:a16="http://schemas.microsoft.com/office/drawing/2014/main" xmlns="" id="{D49E1C7C-7E53-49A2-B2C9-52307876DB7E}"/>
+                <a16:creationId xmlns="" xmlns:a16="http://schemas.microsoft.com/office/drawing/2014/main" id="{D49E1C7C-7E53-49A2-B2C9-52307876DB7E}"/>
               </a:ext>
             </a:extLst>
           </p:cNvPr>
@@ -3413,7 +3412,7 @@
             <a:fld id="{C473AACB-D821-4991-9D88-46EB8D29E619}" type="datetimeFigureOut">
               <a:rPr lang="en-GB" smtClean="0"/>
               <a:pPr/>
-              <a:t>10/12/2024</a:t>
+              <a:t>11/12/2025</a:t>
             </a:fld>
             <a:endParaRPr lang="en-GB" dirty="0"/>
           </a:p>
@@ -3467,7 +3466,7 @@
           <p:cNvPr id="9" name="Picture 8">
             <a:extLst>
               <a:ext uri="{FF2B5EF4-FFF2-40B4-BE49-F238E27FC236}">
-                <a16:creationId xmlns:a16="http://schemas.microsoft.com/office/drawing/2014/main" xmlns="" id="{23082AB0-2BB5-46FE-9A17-15E1ACC06965}"/>
+                <a16:creationId xmlns="" xmlns:a16="http://schemas.microsoft.com/office/drawing/2014/main" id="{23082AB0-2BB5-46FE-9A17-15E1ACC06965}"/>
               </a:ext>
             </a:extLst>
           </p:cNvPr>
@@ -3526,7 +3525,7 @@
           <p:cNvPr id="8" name="Picture 7">
             <a:extLst>
               <a:ext uri="{FF2B5EF4-FFF2-40B4-BE49-F238E27FC236}">
-                <a16:creationId xmlns:a16="http://schemas.microsoft.com/office/drawing/2014/main" xmlns="" id="{1862E859-E5AF-4D76-9FC9-2355B24FF141}"/>
+                <a16:creationId xmlns="" xmlns:a16="http://schemas.microsoft.com/office/drawing/2014/main" id="{1862E859-E5AF-4D76-9FC9-2355B24FF141}"/>
               </a:ext>
             </a:extLst>
           </p:cNvPr>
@@ -3648,7 +3647,7 @@
             <a:fld id="{C473AACB-D821-4991-9D88-46EB8D29E619}" type="datetimeFigureOut">
               <a:rPr lang="en-GB" smtClean="0"/>
               <a:pPr/>
-              <a:t>10/12/2024</a:t>
+              <a:t>11/12/2025</a:t>
             </a:fld>
             <a:endParaRPr lang="en-GB" dirty="0"/>
           </a:p>
@@ -3732,7 +3731,7 @@
           <p:cNvPr id="8" name="Picture 7">
             <a:extLst>
               <a:ext uri="{FF2B5EF4-FFF2-40B4-BE49-F238E27FC236}">
-                <a16:creationId xmlns:a16="http://schemas.microsoft.com/office/drawing/2014/main" xmlns="" id="{91908D0E-7544-4687-965B-72EF64AA4C54}"/>
+                <a16:creationId xmlns="" xmlns:a16="http://schemas.microsoft.com/office/drawing/2014/main" id="{91908D0E-7544-4687-965B-72EF64AA4C54}"/>
               </a:ext>
             </a:extLst>
           </p:cNvPr>
@@ -3859,7 +3858,7 @@
             <a:fld id="{C473AACB-D821-4991-9D88-46EB8D29E619}" type="datetimeFigureOut">
               <a:rPr lang="en-GB" smtClean="0"/>
               <a:pPr/>
-              <a:t>10/12/2024</a:t>
+              <a:t>11/12/2025</a:t>
             </a:fld>
             <a:endParaRPr lang="en-GB" dirty="0"/>
           </a:p>
@@ -3943,7 +3942,7 @@
           <p:cNvPr id="8" name="Picture 7">
             <a:extLst>
               <a:ext uri="{FF2B5EF4-FFF2-40B4-BE49-F238E27FC236}">
-                <a16:creationId xmlns:a16="http://schemas.microsoft.com/office/drawing/2014/main" xmlns="" id="{5B5B8CA2-02D4-408C-B548-182D4F5F54B2}"/>
+                <a16:creationId xmlns="" xmlns:a16="http://schemas.microsoft.com/office/drawing/2014/main" id="{5B5B8CA2-02D4-408C-B548-182D4F5F54B2}"/>
               </a:ext>
             </a:extLst>
           </p:cNvPr>
@@ -4077,7 +4076,7 @@
             <a:fld id="{C473AACB-D821-4991-9D88-46EB8D29E619}" type="datetimeFigureOut">
               <a:rPr lang="en-GB" smtClean="0"/>
               <a:pPr/>
-              <a:t>10/12/2024</a:t>
+              <a:t>11/12/2025</a:t>
             </a:fld>
             <a:endParaRPr lang="en-GB" dirty="0"/>
           </a:p>
@@ -4161,7 +4160,7 @@
           <p:cNvPr id="11" name="Picture 10">
             <a:extLst>
               <a:ext uri="{FF2B5EF4-FFF2-40B4-BE49-F238E27FC236}">
-                <a16:creationId xmlns:a16="http://schemas.microsoft.com/office/drawing/2014/main" xmlns="" id="{EA8DB33B-8BF9-4C99-B31C-55246227EFDE}"/>
+                <a16:creationId xmlns="" xmlns:a16="http://schemas.microsoft.com/office/drawing/2014/main" id="{EA8DB33B-8BF9-4C99-B31C-55246227EFDE}"/>
               </a:ext>
             </a:extLst>
           </p:cNvPr>
@@ -4892,7 +4891,7 @@
             <a:fld id="{C473AACB-D821-4991-9D88-46EB8D29E619}" type="datetimeFigureOut">
               <a:rPr lang="en-GB" smtClean="0"/>
               <a:pPr/>
-              <a:t>10/12/2024</a:t>
+              <a:t>11/12/2025</a:t>
             </a:fld>
             <a:endParaRPr lang="en-GB" dirty="0"/>
           </a:p>
@@ -4976,7 +4975,7 @@
           <p:cNvPr id="11" name="Picture 10">
             <a:extLst>
               <a:ext uri="{FF2B5EF4-FFF2-40B4-BE49-F238E27FC236}">
-                <a16:creationId xmlns:a16="http://schemas.microsoft.com/office/drawing/2014/main" xmlns="" id="{EA8DB33B-8BF9-4C99-B31C-55246227EFDE}"/>
+                <a16:creationId xmlns="" xmlns:a16="http://schemas.microsoft.com/office/drawing/2014/main" id="{EA8DB33B-8BF9-4C99-B31C-55246227EFDE}"/>
               </a:ext>
             </a:extLst>
           </p:cNvPr>
@@ -5706,7 +5705,7 @@
             <a:fld id="{C473AACB-D821-4991-9D88-46EB8D29E619}" type="datetimeFigureOut">
               <a:rPr lang="en-GB" smtClean="0"/>
               <a:pPr/>
-              <a:t>10/12/2024</a:t>
+              <a:t>11/12/2025</a:t>
             </a:fld>
             <a:endParaRPr lang="en-GB" dirty="0"/>
           </a:p>
@@ -5955,7 +5954,7 @@
             <a:fld id="{C473AACB-D821-4991-9D88-46EB8D29E619}" type="datetimeFigureOut">
               <a:rPr lang="en-GB" smtClean="0"/>
               <a:pPr/>
-              <a:t>10/12/2024</a:t>
+              <a:t>11/12/2025</a:t>
             </a:fld>
             <a:endParaRPr lang="en-GB" dirty="0"/>
           </a:p>
@@ -6009,7 +6008,7 @@
           <p:cNvPr id="7" name="Picture 6">
             <a:extLst>
               <a:ext uri="{FF2B5EF4-FFF2-40B4-BE49-F238E27FC236}">
-                <a16:creationId xmlns:a16="http://schemas.microsoft.com/office/drawing/2014/main" xmlns="" id="{6331EFED-43C1-4CBA-8BE3-308E3AA13B9B}"/>
+                <a16:creationId xmlns="" xmlns:a16="http://schemas.microsoft.com/office/drawing/2014/main" id="{6331EFED-43C1-4CBA-8BE3-308E3AA13B9B}"/>
               </a:ext>
             </a:extLst>
           </p:cNvPr>
@@ -6219,7 +6218,7 @@
             <a:fld id="{C473AACB-D821-4991-9D88-46EB8D29E619}" type="datetimeFigureOut">
               <a:rPr lang="en-GB" smtClean="0"/>
               <a:pPr/>
-              <a:t>10/12/2024</a:t>
+              <a:t>11/12/2025</a:t>
             </a:fld>
             <a:endParaRPr lang="en-GB" dirty="0"/>
           </a:p>
@@ -6273,7 +6272,7 @@
           <p:cNvPr id="9" name="Picture 8">
             <a:extLst>
               <a:ext uri="{FF2B5EF4-FFF2-40B4-BE49-F238E27FC236}">
-                <a16:creationId xmlns:a16="http://schemas.microsoft.com/office/drawing/2014/main" xmlns="" id="{1034EA63-4BE3-4A73-A7E6-4A75BE4C1D48}"/>
+                <a16:creationId xmlns="" xmlns:a16="http://schemas.microsoft.com/office/drawing/2014/main" id="{1034EA63-4BE3-4A73-A7E6-4A75BE4C1D48}"/>
               </a:ext>
             </a:extLst>
           </p:cNvPr>
@@ -6332,7 +6331,7 @@
           <p:cNvPr id="10" name="Picture 9">
             <a:extLst>
               <a:ext uri="{FF2B5EF4-FFF2-40B4-BE49-F238E27FC236}">
-                <a16:creationId xmlns:a16="http://schemas.microsoft.com/office/drawing/2014/main" xmlns="" id="{204DC1E6-B5F4-4160-90F3-351FB3242E92}"/>
+                <a16:creationId xmlns="" xmlns:a16="http://schemas.microsoft.com/office/drawing/2014/main" id="{204DC1E6-B5F4-4160-90F3-351FB3242E92}"/>
               </a:ext>
             </a:extLst>
           </p:cNvPr>
@@ -6659,7 +6658,7 @@
             <a:fld id="{C473AACB-D821-4991-9D88-46EB8D29E619}" type="datetimeFigureOut">
               <a:rPr lang="en-GB" smtClean="0"/>
               <a:pPr/>
-              <a:t>10/12/2024</a:t>
+              <a:t>11/12/2025</a:t>
             </a:fld>
             <a:endParaRPr lang="en-GB" dirty="0"/>
           </a:p>
@@ -6743,7 +6742,7 @@
           <p:cNvPr id="6" name="Picture 5">
             <a:extLst>
               <a:ext uri="{FF2B5EF4-FFF2-40B4-BE49-F238E27FC236}">
-                <a16:creationId xmlns:a16="http://schemas.microsoft.com/office/drawing/2014/main" xmlns="" id="{E7897C67-3827-4595-8E3A-71E9F2EAB3AF}"/>
+                <a16:creationId xmlns="" xmlns:a16="http://schemas.microsoft.com/office/drawing/2014/main" id="{E7897C67-3827-4595-8E3A-71E9F2EAB3AF}"/>
               </a:ext>
             </a:extLst>
           </p:cNvPr>
@@ -6814,7 +6813,7 @@
             <a:fld id="{C473AACB-D821-4991-9D88-46EB8D29E619}" type="datetimeFigureOut">
               <a:rPr lang="en-GB" smtClean="0"/>
               <a:pPr/>
-              <a:t>10/12/2024</a:t>
+              <a:t>11/12/2025</a:t>
             </a:fld>
             <a:endParaRPr lang="en-GB" dirty="0"/>
           </a:p>
@@ -6911,7 +6910,7 @@
             <a:fld id="{C473AACB-D821-4991-9D88-46EB8D29E619}" type="datetimeFigureOut">
               <a:rPr lang="en-GB" smtClean="0"/>
               <a:pPr/>
-              <a:t>10/12/2024</a:t>
+              <a:t>11/12/2025</a:t>
             </a:fld>
             <a:endParaRPr lang="en-GB" dirty="0"/>
           </a:p>
@@ -6965,7 +6964,7 @@
           <p:cNvPr id="6" name="Picture 5">
             <a:extLst>
               <a:ext uri="{FF2B5EF4-FFF2-40B4-BE49-F238E27FC236}">
-                <a16:creationId xmlns:a16="http://schemas.microsoft.com/office/drawing/2014/main" xmlns="" id="{F1825398-026A-4668-BB48-C16AD1C9062B}"/>
+                <a16:creationId xmlns="" xmlns:a16="http://schemas.microsoft.com/office/drawing/2014/main" id="{F1825398-026A-4668-BB48-C16AD1C9062B}"/>
               </a:ext>
             </a:extLst>
           </p:cNvPr>
@@ -7688,7 +7687,7 @@
             <a:fld id="{C473AACB-D821-4991-9D88-46EB8D29E619}" type="datetimeFigureOut">
               <a:rPr lang="en-GB" smtClean="0"/>
               <a:pPr/>
-              <a:t>10/12/2024</a:t>
+              <a:t>11/12/2025</a:t>
             </a:fld>
             <a:endParaRPr lang="en-GB" dirty="0"/>
           </a:p>
@@ -8262,21 +8261,14 @@
           <a:p>
             <a:r>
               <a:rPr lang="en-GB" dirty="0" smtClean="0"/>
-              <a:t>PIC18FxxQ24</a:t>
-            </a:r>
+              <a:t>PIC16F175xx</a:t>
+            </a:r>
+            <a:endParaRPr lang="en-GB" dirty="0" smtClean="0"/>
           </a:p>
           <a:p>
             <a:r>
               <a:rPr lang="en-GB" dirty="0" smtClean="0"/>
-              <a:t>Part </a:t>
-            </a:r>
-            <a:r>
-              <a:rPr lang="en-GB" dirty="0" smtClean="0"/>
-              <a:t>13 </a:t>
-            </a:r>
-            <a:r>
-              <a:rPr lang="en-GB" dirty="0" smtClean="0"/>
-              <a:t>- </a:t>
+              <a:t>Part 13 - </a:t>
             </a:r>
             <a:r>
               <a:rPr lang="en-GB" sz="1600" dirty="0"/>
@@ -8309,460 +8301,6 @@
 </file>
 
 <file path=ppt/slides/slide10.xml><?xml version="1.0" encoding="utf-8"?>
-<p:sld xmlns:a="http://schemas.openxmlformats.org/drawingml/2006/main" xmlns:r="http://schemas.openxmlformats.org/officeDocument/2006/relationships" xmlns:p="http://schemas.openxmlformats.org/presentationml/2006/main">
-  <p:cSld>
-    <p:spTree>
-      <p:nvGrpSpPr>
-        <p:cNvPr id="1" name=""/>
-        <p:cNvGrpSpPr/>
-        <p:nvPr/>
-      </p:nvGrpSpPr>
-      <p:grpSpPr>
-        <a:xfrm>
-          <a:off x="0" y="0"/>
-          <a:ext cx="0" cy="0"/>
-          <a:chOff x="0" y="0"/>
-          <a:chExt cx="0" cy="0"/>
-        </a:xfrm>
-      </p:grpSpPr>
-      <p:sp>
-        <p:nvSpPr>
-          <p:cNvPr id="2" name="Title 1"/>
-          <p:cNvSpPr>
-            <a:spLocks noGrp="1"/>
-          </p:cNvSpPr>
-          <p:nvPr>
-            <p:ph type="title"/>
-          </p:nvPr>
-        </p:nvSpPr>
-        <p:spPr/>
-        <p:txBody>
-          <a:bodyPr/>
-          <a:lstStyle/>
-          <a:p>
-            <a:pPr algn="l"/>
-            <a:r>
-              <a:rPr lang="en-GB" dirty="0" smtClean="0"/>
-              <a:t>Hardware</a:t>
-            </a:r>
-            <a:endParaRPr lang="en-GB" dirty="0"/>
-          </a:p>
-        </p:txBody>
-      </p:sp>
-      <p:sp>
-        <p:nvSpPr>
-          <p:cNvPr id="3" name="Content Placeholder 2"/>
-          <p:cNvSpPr>
-            <a:spLocks noGrp="1"/>
-          </p:cNvSpPr>
-          <p:nvPr>
-            <p:ph idx="1"/>
-          </p:nvPr>
-        </p:nvSpPr>
-        <p:spPr/>
-        <p:txBody>
-          <a:bodyPr/>
-          <a:lstStyle/>
-          <a:p>
-            <a:r>
-              <a:rPr lang="en-GB" dirty="0" smtClean="0"/>
-              <a:t>Prototype Board</a:t>
-            </a:r>
-            <a:endParaRPr lang="en-GB" dirty="0"/>
-          </a:p>
-          <a:p>
-            <a:r>
-              <a:rPr lang="en-GB" dirty="0" smtClean="0"/>
-              <a:t>Power 5v0</a:t>
-            </a:r>
-          </a:p>
-          <a:p>
-            <a:r>
-              <a:rPr lang="en-GB" dirty="0" smtClean="0"/>
-              <a:t>Programmer</a:t>
-            </a:r>
-          </a:p>
-          <a:p>
-            <a:r>
-              <a:rPr lang="en-GB" dirty="0" smtClean="0"/>
-              <a:t>LEDs &amp; resistors</a:t>
-            </a:r>
-          </a:p>
-          <a:p>
-            <a:r>
-              <a:rPr lang="en-GB" dirty="0" smtClean="0"/>
-              <a:t>Switches &amp; resistors</a:t>
-            </a:r>
-          </a:p>
-          <a:p>
-            <a:r>
-              <a:rPr lang="en-GB" dirty="0" smtClean="0"/>
-              <a:t>SPI </a:t>
-            </a:r>
-            <a:r>
-              <a:rPr lang="en-GB" dirty="0" smtClean="0"/>
-              <a:t>device and circuit</a:t>
-            </a:r>
-          </a:p>
-          <a:p>
-            <a:endParaRPr lang="en-GB" dirty="0"/>
-          </a:p>
-        </p:txBody>
-      </p:sp>
-      <p:sp>
-        <p:nvSpPr>
-          <p:cNvPr id="5" name="TextBox 4"/>
-          <p:cNvSpPr txBox="1"/>
-          <p:nvPr/>
-        </p:nvSpPr>
-        <p:spPr>
-          <a:xfrm>
-            <a:off x="2843808" y="1295349"/>
-            <a:ext cx="4356653" cy="3508649"/>
-          </a:xfrm>
-          <a:prstGeom prst="rect">
-            <a:avLst/>
-          </a:prstGeom>
-          <a:solidFill>
-            <a:schemeClr val="bg1"/>
-          </a:solidFill>
-        </p:spPr>
-        <p:txBody>
-          <a:bodyPr wrap="square" lIns="121917" tIns="60958" rIns="121917" bIns="60958" rtlCol="0">
-            <a:spAutoFit/>
-          </a:bodyPr>
-          <a:lstStyle/>
-          <a:p>
-            <a:r>
-              <a:rPr lang="en-GB" sz="1100" dirty="0">
-                <a:latin typeface="Courier New" panose="02070309020205020404" pitchFamily="49" charset="0"/>
-                <a:cs typeface="Courier New" panose="02070309020205020404" pitchFamily="49" charset="0"/>
-              </a:rPr>
-              <a:t>    Hardware</a:t>
-            </a:r>
-          </a:p>
-          <a:p>
-            <a:r>
-              <a:rPr lang="en-GB" sz="1100" dirty="0">
-                <a:latin typeface="Courier New" panose="02070309020205020404" pitchFamily="49" charset="0"/>
-                <a:cs typeface="Courier New" panose="02070309020205020404" pitchFamily="49" charset="0"/>
-              </a:rPr>
-              <a:t>    -------------------PORTA----------------</a:t>
-            </a:r>
-          </a:p>
-          <a:p>
-            <a:r>
-              <a:rPr lang="en-GB" sz="1100" dirty="0">
-                <a:latin typeface="Courier New" panose="02070309020205020404" pitchFamily="49" charset="0"/>
-                <a:cs typeface="Courier New" panose="02070309020205020404" pitchFamily="49" charset="0"/>
-              </a:rPr>
-              <a:t>    Bit#:  -7---6---5---4---3---2---1---0---</a:t>
-            </a:r>
-          </a:p>
-          <a:p>
-            <a:r>
-              <a:rPr lang="en-GB" sz="1100" dirty="0">
-                <a:latin typeface="Courier New" panose="02070309020205020404" pitchFamily="49" charset="0"/>
-                <a:cs typeface="Courier New" panose="02070309020205020404" pitchFamily="49" charset="0"/>
-              </a:rPr>
-              <a:t>    IO:    ----------------SW----------ADC-- </a:t>
-            </a:r>
-          </a:p>
-          <a:p>
-            <a:r>
-              <a:rPr lang="en-GB" sz="1100" dirty="0">
-                <a:latin typeface="Courier New" panose="02070309020205020404" pitchFamily="49" charset="0"/>
-                <a:cs typeface="Courier New" panose="02070309020205020404" pitchFamily="49" charset="0"/>
-              </a:rPr>
-              <a:t>    ----------------------------------------</a:t>
-            </a:r>
-          </a:p>
-          <a:p>
-            <a:r>
-              <a:rPr lang="en-GB" sz="1100" dirty="0">
-                <a:latin typeface="Courier New" panose="02070309020205020404" pitchFamily="49" charset="0"/>
-                <a:cs typeface="Courier New" panose="02070309020205020404" pitchFamily="49" charset="0"/>
-              </a:rPr>
-              <a:t/>
-            </a:r>
-            <a:br>
-              <a:rPr lang="en-GB" sz="1100" dirty="0">
-                <a:latin typeface="Courier New" panose="02070309020205020404" pitchFamily="49" charset="0"/>
-                <a:cs typeface="Courier New" panose="02070309020205020404" pitchFamily="49" charset="0"/>
-              </a:rPr>
-            </a:br>
-            <a:r>
-              <a:rPr lang="en-GB" sz="1100" dirty="0">
-                <a:latin typeface="Courier New" panose="02070309020205020404" pitchFamily="49" charset="0"/>
-                <a:cs typeface="Courier New" panose="02070309020205020404" pitchFamily="49" charset="0"/>
-              </a:rPr>
-              <a:t>    -------------------PORTB----------------</a:t>
-            </a:r>
-          </a:p>
-          <a:p>
-            <a:r>
-              <a:rPr lang="en-GB" sz="1100" dirty="0">
-                <a:latin typeface="Courier New" panose="02070309020205020404" pitchFamily="49" charset="0"/>
-                <a:cs typeface="Courier New" panose="02070309020205020404" pitchFamily="49" charset="0"/>
-              </a:rPr>
-              <a:t>    Bit#:  -7---6---5---4---3---2---1---0---</a:t>
-            </a:r>
-          </a:p>
-          <a:p>
-            <a:r>
-              <a:rPr lang="en-GB" sz="1100" dirty="0">
-                <a:latin typeface="Courier New" panose="02070309020205020404" pitchFamily="49" charset="0"/>
-                <a:cs typeface="Courier New" panose="02070309020205020404" pitchFamily="49" charset="0"/>
-              </a:rPr>
-              <a:t>    IO:    ----------------LED-LED-LED-LED--</a:t>
-            </a:r>
-          </a:p>
-          <a:p>
-            <a:r>
-              <a:rPr lang="en-GB" sz="1100" dirty="0">
-                <a:latin typeface="Courier New" panose="02070309020205020404" pitchFamily="49" charset="0"/>
-                <a:cs typeface="Courier New" panose="02070309020205020404" pitchFamily="49" charset="0"/>
-              </a:rPr>
-              <a:t>    ----------------------------------------</a:t>
-            </a:r>
-          </a:p>
-          <a:p>
-            <a:r>
-              <a:rPr lang="en-GB" sz="1100" dirty="0">
-                <a:latin typeface="Courier New" panose="02070309020205020404" pitchFamily="49" charset="0"/>
-                <a:cs typeface="Courier New" panose="02070309020205020404" pitchFamily="49" charset="0"/>
-              </a:rPr>
-              <a:t>    </a:t>
-            </a:r>
-          </a:p>
-          <a:p>
-            <a:r>
-              <a:rPr lang="en-GB" sz="1100" dirty="0">
-                <a:latin typeface="Courier New" panose="02070309020205020404" pitchFamily="49" charset="0"/>
-                <a:cs typeface="Courier New" panose="02070309020205020404" pitchFamily="49" charset="0"/>
-              </a:rPr>
-              <a:t>    ------------------PORTC-----------------</a:t>
-            </a:r>
-          </a:p>
-          <a:p>
-            <a:r>
-              <a:rPr lang="en-GB" sz="1100" dirty="0">
-                <a:latin typeface="Courier New" panose="02070309020205020404" pitchFamily="49" charset="0"/>
-                <a:cs typeface="Courier New" panose="02070309020205020404" pitchFamily="49" charset="0"/>
-              </a:rPr>
-              <a:t>    Bit#:  -X---6---5---4---3---2---1---0---</a:t>
-            </a:r>
-          </a:p>
-          <a:p>
-            <a:r>
-              <a:rPr lang="en-GB" sz="1100" dirty="0">
-                <a:latin typeface="Courier New" panose="02070309020205020404" pitchFamily="49" charset="0"/>
-                <a:cs typeface="Courier New" panose="02070309020205020404" pitchFamily="49" charset="0"/>
-              </a:rPr>
-              <a:t>    IO:    -</a:t>
-            </a:r>
-            <a:r>
-              <a:rPr lang="en-GB" sz="1100" b="1" dirty="0">
-                <a:latin typeface="Courier New" panose="02070309020205020404" pitchFamily="49" charset="0"/>
-                <a:cs typeface="Courier New" panose="02070309020205020404" pitchFamily="49" charset="0"/>
-              </a:rPr>
-              <a:t>^</a:t>
-            </a:r>
-            <a:r>
-              <a:rPr lang="en-GB" sz="1100" dirty="0">
-                <a:latin typeface="Courier New" panose="02070309020205020404" pitchFamily="49" charset="0"/>
-                <a:cs typeface="Courier New" panose="02070309020205020404" pitchFamily="49" charset="0"/>
-              </a:rPr>
-              <a:t>--</a:t>
-            </a:r>
-            <a:r>
-              <a:rPr lang="en-GB" sz="1100" b="1" dirty="0">
-                <a:latin typeface="Courier New" panose="02070309020205020404" pitchFamily="49" charset="0"/>
-                <a:cs typeface="Courier New" panose="02070309020205020404" pitchFamily="49" charset="0"/>
-              </a:rPr>
-              <a:t>TX</a:t>
-            </a:r>
-            <a:r>
-              <a:rPr lang="en-GB" sz="1100" dirty="0">
-                <a:latin typeface="Courier New" panose="02070309020205020404" pitchFamily="49" charset="0"/>
-                <a:cs typeface="Courier New" panose="02070309020205020404" pitchFamily="49" charset="0"/>
-              </a:rPr>
-              <a:t>------</a:t>
-            </a:r>
-            <a:r>
-              <a:rPr lang="en-GB" sz="1100" b="1" dirty="0" smtClean="0">
-                <a:latin typeface="Courier New" panose="02070309020205020404" pitchFamily="49" charset="0"/>
-                <a:cs typeface="Courier New" panose="02070309020205020404" pitchFamily="49" charset="0"/>
-              </a:rPr>
-              <a:t>SDO</a:t>
-            </a:r>
-            <a:r>
-              <a:rPr lang="en-GB" sz="1100" dirty="0" smtClean="0">
-                <a:latin typeface="Courier New" panose="02070309020205020404" pitchFamily="49" charset="0"/>
-                <a:cs typeface="Courier New" panose="02070309020205020404" pitchFamily="49" charset="0"/>
-              </a:rPr>
-              <a:t>-</a:t>
-            </a:r>
-            <a:r>
-              <a:rPr lang="en-GB" sz="1100" b="1" dirty="0" smtClean="0">
-                <a:latin typeface="Courier New" panose="02070309020205020404" pitchFamily="49" charset="0"/>
-                <a:cs typeface="Courier New" panose="02070309020205020404" pitchFamily="49" charset="0"/>
-              </a:rPr>
-              <a:t>SCK</a:t>
-            </a:r>
-            <a:r>
-              <a:rPr lang="en-GB" sz="1100" dirty="0" smtClean="0">
-                <a:latin typeface="Courier New" panose="02070309020205020404" pitchFamily="49" charset="0"/>
-                <a:cs typeface="Courier New" panose="02070309020205020404" pitchFamily="49" charset="0"/>
-              </a:rPr>
-              <a:t>-</a:t>
-            </a:r>
-            <a:r>
-              <a:rPr lang="en-GB" sz="1100" b="1" dirty="0" smtClean="0">
-                <a:latin typeface="Courier New" panose="02070309020205020404" pitchFamily="49" charset="0"/>
-                <a:cs typeface="Courier New" panose="02070309020205020404" pitchFamily="49" charset="0"/>
-              </a:rPr>
-              <a:t>RST</a:t>
-            </a:r>
-            <a:r>
-              <a:rPr lang="en-GB" sz="1100" dirty="0" smtClean="0">
-                <a:latin typeface="Courier New" panose="02070309020205020404" pitchFamily="49" charset="0"/>
-                <a:cs typeface="Courier New" panose="02070309020205020404" pitchFamily="49" charset="0"/>
-              </a:rPr>
-              <a:t>--</a:t>
-            </a:r>
-            <a:r>
-              <a:rPr lang="en-GB" sz="1100" b="1" dirty="0" smtClean="0">
-                <a:latin typeface="Courier New" panose="02070309020205020404" pitchFamily="49" charset="0"/>
-                <a:cs typeface="Courier New" panose="02070309020205020404" pitchFamily="49" charset="0"/>
-              </a:rPr>
-              <a:t>CS</a:t>
-            </a:r>
-            <a:r>
-              <a:rPr lang="en-GB" sz="1100" dirty="0" smtClean="0">
-                <a:latin typeface="Courier New" panose="02070309020205020404" pitchFamily="49" charset="0"/>
-                <a:cs typeface="Courier New" panose="02070309020205020404" pitchFamily="49" charset="0"/>
-              </a:rPr>
-              <a:t>--</a:t>
-            </a:r>
-            <a:r>
-              <a:rPr lang="en-GB" sz="1100" b="1" dirty="0" smtClean="0">
-                <a:latin typeface="Courier New" panose="02070309020205020404" pitchFamily="49" charset="0"/>
-                <a:cs typeface="Courier New" panose="02070309020205020404" pitchFamily="49" charset="0"/>
-              </a:rPr>
-              <a:t>DC</a:t>
-            </a:r>
-            <a:r>
-              <a:rPr lang="en-GB" sz="1100" dirty="0" smtClean="0">
-                <a:latin typeface="Courier New" panose="02070309020205020404" pitchFamily="49" charset="0"/>
-                <a:cs typeface="Courier New" panose="02070309020205020404" pitchFamily="49" charset="0"/>
-              </a:rPr>
-              <a:t>--</a:t>
-            </a:r>
-            <a:endParaRPr lang="en-GB" sz="1100" dirty="0">
-              <a:latin typeface="Courier New" panose="02070309020205020404" pitchFamily="49" charset="0"/>
-              <a:cs typeface="Courier New" panose="02070309020205020404" pitchFamily="49" charset="0"/>
-            </a:endParaRPr>
-          </a:p>
-          <a:p>
-            <a:r>
-              <a:rPr lang="en-GB" sz="1100" dirty="0">
-                <a:latin typeface="Courier New" panose="02070309020205020404" pitchFamily="49" charset="0"/>
-                <a:cs typeface="Courier New" panose="02070309020205020404" pitchFamily="49" charset="0"/>
-              </a:rPr>
-              <a:t>    -----</a:t>
-            </a:r>
-            <a:r>
-              <a:rPr lang="en-GB" sz="1100" b="1" dirty="0">
-                <a:latin typeface="Courier New" panose="02070309020205020404" pitchFamily="49" charset="0"/>
-                <a:cs typeface="Courier New" panose="02070309020205020404" pitchFamily="49" charset="0"/>
-              </a:rPr>
-              <a:t>VDDIO2</a:t>
-            </a:r>
-            <a:r>
-              <a:rPr lang="en-GB" sz="1100" dirty="0">
-                <a:latin typeface="Courier New" panose="02070309020205020404" pitchFamily="49" charset="0"/>
-                <a:cs typeface="Courier New" panose="02070309020205020404" pitchFamily="49" charset="0"/>
-              </a:rPr>
-              <a:t>----------------------------- </a:t>
-            </a:r>
-          </a:p>
-          <a:p>
-            <a:r>
-              <a:rPr lang="en-GB" sz="1100" dirty="0">
-                <a:latin typeface="Courier New" panose="02070309020205020404" pitchFamily="49" charset="0"/>
-                <a:cs typeface="Courier New" panose="02070309020205020404" pitchFamily="49" charset="0"/>
-              </a:rPr>
-              <a:t>    You must apply correct Voltage</a:t>
-            </a:r>
-          </a:p>
-          <a:p>
-            <a:r>
-              <a:rPr lang="en-GB" sz="1100" dirty="0">
-                <a:latin typeface="Courier New" panose="02070309020205020404" pitchFamily="49" charset="0"/>
-                <a:cs typeface="Courier New" panose="02070309020205020404" pitchFamily="49" charset="0"/>
-              </a:rPr>
-              <a:t>   </a:t>
-            </a:r>
-          </a:p>
-          <a:p>
-            <a:r>
-              <a:rPr lang="en-GB" sz="1100" dirty="0">
-                <a:latin typeface="Courier New" panose="02070309020205020404" pitchFamily="49" charset="0"/>
-                <a:cs typeface="Courier New" panose="02070309020205020404" pitchFamily="49" charset="0"/>
-              </a:rPr>
-              <a:t>    ------------------PORTE-----------------</a:t>
-            </a:r>
-          </a:p>
-          <a:p>
-            <a:r>
-              <a:rPr lang="en-GB" sz="1100" dirty="0">
-                <a:latin typeface="Courier New" panose="02070309020205020404" pitchFamily="49" charset="0"/>
-                <a:cs typeface="Courier New" panose="02070309020205020404" pitchFamily="49" charset="0"/>
-              </a:rPr>
-              <a:t>    Bit#:  -----------------3---------------</a:t>
-            </a:r>
-          </a:p>
-          <a:p>
-            <a:r>
-              <a:rPr lang="en-GB" sz="1100" dirty="0">
-                <a:latin typeface="Courier New" panose="02070309020205020404" pitchFamily="49" charset="0"/>
-                <a:cs typeface="Courier New" panose="02070309020205020404" pitchFamily="49" charset="0"/>
-              </a:rPr>
-              <a:t>    IO:    ----------------SW---------------</a:t>
-            </a:r>
-          </a:p>
-        </p:txBody>
-      </p:sp>
-    </p:spTree>
-    <p:extLst>
-      <p:ext uri="{BB962C8B-B14F-4D97-AF65-F5344CB8AC3E}">
-        <p14:creationId xmlns:p14="http://schemas.microsoft.com/office/powerpoint/2010/main" val="3213168251"/>
-      </p:ext>
-    </p:extLst>
-  </p:cSld>
-  <p:clrMapOvr>
-    <a:masterClrMapping/>
-  </p:clrMapOvr>
-  <mc:AlternateContent xmlns:mc="http://schemas.openxmlformats.org/markup-compatibility/2006" xmlns:p14="http://schemas.microsoft.com/office/powerpoint/2010/main">
-    <mc:Choice Requires="p14">
-      <p:transition spd="slow" p14:dur="2000"/>
-    </mc:Choice>
-    <mc:Fallback xmlns="">
-      <p:transition spd="slow"/>
-    </mc:Fallback>
-  </mc:AlternateContent>
-  <p:timing>
-    <p:tnLst>
-      <p:par>
-        <p:cTn id="1" dur="indefinite" restart="never" nodeType="tmRoot"/>
-      </p:par>
-    </p:tnLst>
-  </p:timing>
-</p:sld>
-</file>
-
-<file path=ppt/slides/slide11.xml><?xml version="1.0" encoding="utf-8"?>
 <p:sld xmlns:a="http://schemas.openxmlformats.org/drawingml/2006/main" xmlns:r="http://schemas.openxmlformats.org/officeDocument/2006/relationships" xmlns:p="http://schemas.openxmlformats.org/presentationml/2006/main">
   <p:cSld>
     <p:spTree>
@@ -8877,11 +8415,11 @@
   <p:clrMapOvr>
     <a:masterClrMapping/>
   </p:clrMapOvr>
-  <mc:AlternateContent xmlns:mc="http://schemas.openxmlformats.org/markup-compatibility/2006">
-    <mc:Choice xmlns:p14="http://schemas.microsoft.com/office/powerpoint/2010/main" Requires="p14">
+  <mc:AlternateContent xmlns:mc="http://schemas.openxmlformats.org/markup-compatibility/2006" xmlns:p14="http://schemas.microsoft.com/office/powerpoint/2010/main">
+    <mc:Choice Requires="p14">
       <p:transition spd="slow" p14:dur="2000" advClick="0"/>
     </mc:Choice>
-    <mc:Fallback>
+    <mc:Fallback xmlns="">
       <p:transition spd="slow" advClick="0"/>
     </mc:Fallback>
   </mc:AlternateContent>
@@ -8895,7 +8433,7 @@
 </p:sld>
 </file>
 
-<file path=ppt/slides/slide12.xml><?xml version="1.0" encoding="utf-8"?>
+<file path=ppt/slides/slide11.xml><?xml version="1.0" encoding="utf-8"?>
 <p:sld xmlns:a="http://schemas.openxmlformats.org/drawingml/2006/main" xmlns:r="http://schemas.openxmlformats.org/officeDocument/2006/relationships" xmlns:p="http://schemas.openxmlformats.org/presentationml/2006/main">
   <p:cSld>
     <p:spTree>
@@ -9903,7 +9441,7 @@
         <p:spPr>
           <a:xfrm>
             <a:off x="593153" y="2365102"/>
-            <a:ext cx="3998210" cy="1738938"/>
+            <a:ext cx="3998210" cy="2354491"/>
           </a:xfrm>
           <a:prstGeom prst="rect">
             <a:avLst/>
@@ -9922,212 +9460,158 @@
             </a:pPr>
             <a:r>
               <a:rPr lang="en-GB" sz="1000" dirty="0" smtClean="0"/>
-              <a:t> This is a PPS chip, so, needs to make the PPS match these assignments</a:t>
+              <a:t> This is a PPS chip, so, needs to make the PPS </a:t>
+            </a:r>
+            <a:r>
+              <a:rPr lang="en-GB" sz="1000" b="1" dirty="0" smtClean="0"/>
+              <a:t>match</a:t>
+            </a:r>
+            <a:r>
+              <a:rPr lang="en-GB" sz="1000" dirty="0" smtClean="0"/>
+              <a:t> these assignments</a:t>
             </a:r>
           </a:p>
           <a:p>
             <a:endParaRPr lang="en-GB" sz="1000" dirty="0" smtClean="0"/>
           </a:p>
           <a:p>
+            <a:r>
+              <a:rPr lang="en-GB" sz="1000" dirty="0">
+                <a:latin typeface="Courier New" pitchFamily="49" charset="0"/>
+                <a:cs typeface="Courier New" pitchFamily="49" charset="0"/>
+              </a:rPr>
+              <a:t>/* Pin mappings for GLCD </a:t>
+            </a:r>
             <a:r>
               <a:rPr lang="en-GB" sz="1000" dirty="0" smtClean="0">
                 <a:latin typeface="Courier New" pitchFamily="49" charset="0"/>
                 <a:cs typeface="Courier New" pitchFamily="49" charset="0"/>
               </a:rPr>
-              <a:t>#DEFINE GLCD_</a:t>
+              <a:t>data and clock</a:t>
+            </a:r>
+          </a:p>
+          <a:p>
+            <a:r>
+              <a:rPr lang="en-GB" sz="1000" dirty="0" smtClean="0">
+                <a:latin typeface="Courier New" pitchFamily="49" charset="0"/>
+                <a:cs typeface="Courier New" pitchFamily="49" charset="0"/>
+              </a:rPr>
+              <a:t>#</a:t>
+            </a:r>
+            <a:r>
+              <a:rPr lang="en-GB" sz="1000" dirty="0">
+                <a:latin typeface="Courier New" pitchFamily="49" charset="0"/>
+                <a:cs typeface="Courier New" pitchFamily="49" charset="0"/>
+              </a:rPr>
+              <a:t>DEFINE GLCD_DO     portC.5</a:t>
+            </a:r>
+          </a:p>
+          <a:p>
+            <a:r>
+              <a:rPr lang="en-GB" sz="1000" dirty="0">
+                <a:latin typeface="Courier New" pitchFamily="49" charset="0"/>
+                <a:cs typeface="Courier New" pitchFamily="49" charset="0"/>
+              </a:rPr>
+              <a:t>#DEFINE GLCD_SCK    portC.4</a:t>
+            </a:r>
+          </a:p>
+          <a:p>
+            <a:r>
+              <a:rPr lang="en-GB" sz="1000" dirty="0" smtClean="0">
+                <a:latin typeface="Courier New" pitchFamily="49" charset="0"/>
+                <a:cs typeface="Courier New" pitchFamily="49" charset="0"/>
+              </a:rPr>
+              <a:t/>
+            </a:r>
+            <a:br>
+              <a:rPr lang="en-GB" sz="1000" dirty="0" smtClean="0">
+                <a:latin typeface="Courier New" pitchFamily="49" charset="0"/>
+                <a:cs typeface="Courier New" pitchFamily="49" charset="0"/>
+              </a:rPr>
+            </a:br>
+            <a:r>
+              <a:rPr lang="en-GB" sz="1000" dirty="0" smtClean="0">
+                <a:latin typeface="Courier New" pitchFamily="49" charset="0"/>
+                <a:cs typeface="Courier New" pitchFamily="49" charset="0"/>
+              </a:rPr>
+              <a:t>/* Pin mappings for GLCD support</a:t>
+            </a:r>
+          </a:p>
+          <a:p>
+            <a:r>
+              <a:rPr lang="en-GB" sz="1000" dirty="0" smtClean="0">
+                <a:latin typeface="Courier New" pitchFamily="49" charset="0"/>
+                <a:cs typeface="Courier New" pitchFamily="49" charset="0"/>
+              </a:rPr>
+              <a:t>#</a:t>
+            </a:r>
+            <a:r>
+              <a:rPr lang="en-GB" sz="1000" dirty="0">
+                <a:latin typeface="Courier New" pitchFamily="49" charset="0"/>
+                <a:cs typeface="Courier New" pitchFamily="49" charset="0"/>
+              </a:rPr>
+              <a:t>DEFINE GLCD_DC     portC.0</a:t>
+            </a:r>
+          </a:p>
+          <a:p>
+            <a:r>
+              <a:rPr lang="en-GB" sz="1000" dirty="0">
+                <a:latin typeface="Courier New" pitchFamily="49" charset="0"/>
+                <a:cs typeface="Courier New" pitchFamily="49" charset="0"/>
+              </a:rPr>
+              <a:t>#DEFINE GLCD_CS     portC.1</a:t>
+            </a:r>
+          </a:p>
+          <a:p>
+            <a:r>
+              <a:rPr lang="en-GB" sz="1000" dirty="0">
+                <a:latin typeface="Courier New" pitchFamily="49" charset="0"/>
+                <a:cs typeface="Courier New" pitchFamily="49" charset="0"/>
+              </a:rPr>
+              <a:t>#DEFINE GLCD_RESET  portC.2    </a:t>
             </a:r>
             <a:r>
               <a:rPr lang="en-GB" sz="1000" b="1" dirty="0" smtClean="0">
                 <a:latin typeface="Courier New" pitchFamily="49" charset="0"/>
                 <a:cs typeface="Courier New" pitchFamily="49" charset="0"/>
               </a:rPr>
-              <a:t>DO</a:t>
-            </a:r>
-            <a:r>
-              <a:rPr lang="en-GB" sz="1000" dirty="0" smtClean="0">
-                <a:latin typeface="Courier New" pitchFamily="49" charset="0"/>
-                <a:cs typeface="Courier New" pitchFamily="49" charset="0"/>
-              </a:rPr>
-              <a:t>     </a:t>
-            </a:r>
-            <a:r>
-              <a:rPr lang="en-GB" sz="1000" dirty="0" smtClean="0">
-                <a:latin typeface="Courier New" pitchFamily="49" charset="0"/>
-                <a:cs typeface="Courier New" pitchFamily="49" charset="0"/>
-              </a:rPr>
-              <a:t>port</a:t>
-            </a:r>
-            <a:r>
+              <a:t/>
+            </a:r>
+            <a:br>
               <a:rPr lang="en-GB" sz="1000" b="1" dirty="0" smtClean="0">
                 <a:latin typeface="Courier New" pitchFamily="49" charset="0"/>
                 <a:cs typeface="Courier New" pitchFamily="49" charset="0"/>
               </a:rPr>
-              <a:t>C.4</a:t>
-            </a:r>
-            <a:endParaRPr lang="en-GB" sz="1000" b="1" dirty="0">
-              <a:latin typeface="Courier New" pitchFamily="49" charset="0"/>
-              <a:cs typeface="Courier New" pitchFamily="49" charset="0"/>
-            </a:endParaRPr>
-          </a:p>
-          <a:p>
-            <a:r>
-              <a:rPr lang="en-GB" sz="1000" dirty="0" smtClean="0">
+            </a:br>
+            <a:r>
+              <a:rPr lang="en-GB" sz="1000" b="1" dirty="0" smtClean="0">
+                <a:latin typeface="Courier New" pitchFamily="49" charset="0"/>
+                <a:cs typeface="Courier New" pitchFamily="49" charset="0"/>
+              </a:rPr>
+              <a:t/>
+            </a:r>
+            <a:br>
+              <a:rPr lang="en-GB" sz="1000" b="1" dirty="0" smtClean="0">
+                <a:latin typeface="Courier New" pitchFamily="49" charset="0"/>
+                <a:cs typeface="Courier New" pitchFamily="49" charset="0"/>
+              </a:rPr>
+            </a:br>
+            <a:r>
+              <a:rPr lang="en-GB" sz="1000" dirty="0">
                 <a:latin typeface="Courier New" pitchFamily="49" charset="0"/>
                 <a:cs typeface="Courier New" pitchFamily="49" charset="0"/>
               </a:rPr>
               <a:t>#DEFINE </a:t>
             </a:r>
             <a:r>
-              <a:rPr lang="en-GB" sz="1000" dirty="0" smtClean="0">
+              <a:rPr lang="en-GB" sz="1000" b="1" dirty="0">
                 <a:latin typeface="Courier New" pitchFamily="49" charset="0"/>
                 <a:cs typeface="Courier New" pitchFamily="49" charset="0"/>
               </a:rPr>
-              <a:t>GLCD_</a:t>
-            </a:r>
-            <a:r>
-              <a:rPr lang="en-GB" sz="1000" b="1" dirty="0" smtClean="0">
-                <a:latin typeface="Courier New" pitchFamily="49" charset="0"/>
-                <a:cs typeface="Courier New" pitchFamily="49" charset="0"/>
-              </a:rPr>
-              <a:t>SCK  </a:t>
-            </a:r>
-            <a:r>
-              <a:rPr lang="en-GB" sz="1000" dirty="0" smtClean="0">
-                <a:latin typeface="Courier New" pitchFamily="49" charset="0"/>
-                <a:cs typeface="Courier New" pitchFamily="49" charset="0"/>
-              </a:rPr>
-              <a:t>  </a:t>
-            </a:r>
-            <a:r>
-              <a:rPr lang="en-GB" sz="1000" dirty="0" smtClean="0">
-                <a:latin typeface="Courier New" pitchFamily="49" charset="0"/>
-                <a:cs typeface="Courier New" pitchFamily="49" charset="0"/>
-              </a:rPr>
-              <a:t>port</a:t>
-            </a:r>
-            <a:r>
-              <a:rPr lang="en-GB" sz="1000" b="1" dirty="0" smtClean="0">
-                <a:latin typeface="Courier New" pitchFamily="49" charset="0"/>
-                <a:cs typeface="Courier New" pitchFamily="49" charset="0"/>
-              </a:rPr>
-              <a:t>C.3</a:t>
-            </a:r>
-            <a:endParaRPr lang="en-GB" sz="1000" b="1" dirty="0" smtClean="0">
-              <a:latin typeface="Courier New" pitchFamily="49" charset="0"/>
-              <a:cs typeface="Courier New" pitchFamily="49" charset="0"/>
-            </a:endParaRPr>
-          </a:p>
-          <a:p>
-            <a:endParaRPr lang="en-GB" sz="1000" dirty="0" smtClean="0">
-              <a:latin typeface="Courier New" pitchFamily="49" charset="0"/>
-              <a:cs typeface="Courier New" pitchFamily="49" charset="0"/>
-            </a:endParaRPr>
-          </a:p>
-          <a:p>
-            <a:r>
-              <a:rPr lang="en-GB" sz="1000" dirty="0" smtClean="0">
-                <a:latin typeface="Courier New" pitchFamily="49" charset="0"/>
-                <a:cs typeface="Courier New" pitchFamily="49" charset="0"/>
-              </a:rPr>
-              <a:t>'Pin mappings for GCLD</a:t>
-            </a:r>
-          </a:p>
-          <a:p>
-            <a:r>
-              <a:rPr lang="en-GB" sz="1000" dirty="0" smtClean="0">
-                <a:latin typeface="Courier New" pitchFamily="49" charset="0"/>
-                <a:cs typeface="Courier New" pitchFamily="49" charset="0"/>
-              </a:rPr>
-              <a:t>#DEFINE GLCD_</a:t>
-            </a:r>
-            <a:r>
-              <a:rPr lang="en-GB" sz="1000" b="1" dirty="0" smtClean="0">
-                <a:latin typeface="Courier New" pitchFamily="49" charset="0"/>
-                <a:cs typeface="Courier New" pitchFamily="49" charset="0"/>
-              </a:rPr>
-              <a:t>DC</a:t>
-            </a:r>
-            <a:r>
-              <a:rPr lang="en-GB" sz="1000" dirty="0" smtClean="0">
-                <a:latin typeface="Courier New" pitchFamily="49" charset="0"/>
-                <a:cs typeface="Courier New" pitchFamily="49" charset="0"/>
-              </a:rPr>
-              <a:t>     port</a:t>
-            </a:r>
-            <a:r>
-              <a:rPr lang="en-GB" sz="1000" b="1" dirty="0" smtClean="0">
-                <a:latin typeface="Courier New" pitchFamily="49" charset="0"/>
-                <a:cs typeface="Courier New" pitchFamily="49" charset="0"/>
-              </a:rPr>
-              <a:t>C.0</a:t>
-            </a:r>
-          </a:p>
-          <a:p>
-            <a:r>
-              <a:rPr lang="en-GB" sz="1000" dirty="0" smtClean="0">
-                <a:latin typeface="Courier New" pitchFamily="49" charset="0"/>
-                <a:cs typeface="Courier New" pitchFamily="49" charset="0"/>
-              </a:rPr>
-              <a:t>#DEFINE GLCD_</a:t>
-            </a:r>
-            <a:r>
-              <a:rPr lang="en-GB" sz="1000" b="1" dirty="0" smtClean="0">
-                <a:latin typeface="Courier New" pitchFamily="49" charset="0"/>
-                <a:cs typeface="Courier New" pitchFamily="49" charset="0"/>
-              </a:rPr>
-              <a:t>CS</a:t>
-            </a:r>
-            <a:r>
-              <a:rPr lang="en-GB" sz="1000" dirty="0" smtClean="0">
-                <a:latin typeface="Courier New" pitchFamily="49" charset="0"/>
-                <a:cs typeface="Courier New" pitchFamily="49" charset="0"/>
-              </a:rPr>
-              <a:t>     port</a:t>
-            </a:r>
-            <a:r>
-              <a:rPr lang="en-GB" sz="1000" b="1" dirty="0" smtClean="0">
-                <a:latin typeface="Courier New" pitchFamily="49" charset="0"/>
-                <a:cs typeface="Courier New" pitchFamily="49" charset="0"/>
-              </a:rPr>
-              <a:t>C.1</a:t>
-            </a:r>
-          </a:p>
-          <a:p>
-            <a:r>
-              <a:rPr lang="en-GB" sz="1000" dirty="0" smtClean="0">
-                <a:latin typeface="Courier New" pitchFamily="49" charset="0"/>
-                <a:cs typeface="Courier New" pitchFamily="49" charset="0"/>
-              </a:rPr>
-              <a:t>#DEFINE GLCD_</a:t>
-            </a:r>
-            <a:r>
-              <a:rPr lang="en-GB" sz="1000" b="1" dirty="0" smtClean="0">
-                <a:latin typeface="Courier New" pitchFamily="49" charset="0"/>
-                <a:cs typeface="Courier New" pitchFamily="49" charset="0"/>
-              </a:rPr>
-              <a:t>RESET</a:t>
-            </a:r>
-            <a:r>
-              <a:rPr lang="en-GB" sz="1000" dirty="0" smtClean="0">
-                <a:latin typeface="Courier New" pitchFamily="49" charset="0"/>
-                <a:cs typeface="Courier New" pitchFamily="49" charset="0"/>
-              </a:rPr>
-              <a:t>  </a:t>
-            </a:r>
-            <a:r>
-              <a:rPr lang="en-GB" sz="1000" dirty="0" smtClean="0">
-                <a:latin typeface="Courier New" pitchFamily="49" charset="0"/>
-                <a:cs typeface="Courier New" pitchFamily="49" charset="0"/>
-              </a:rPr>
-              <a:t>port</a:t>
-            </a:r>
-            <a:r>
-              <a:rPr lang="en-GB" sz="1000" b="1" dirty="0" smtClean="0">
-                <a:latin typeface="Courier New" pitchFamily="49" charset="0"/>
-                <a:cs typeface="Courier New" pitchFamily="49" charset="0"/>
-              </a:rPr>
-              <a:t>C.2</a:t>
-            </a:r>
+              <a:t>SSD1331_HardwareSPI</a:t>
+            </a:r>
+          </a:p>
+          <a:p>
             <a:endParaRPr lang="en-GB" sz="1000" b="1" dirty="0" smtClean="0">
               <a:latin typeface="Courier New" pitchFamily="49" charset="0"/>
               <a:cs typeface="Courier New" pitchFamily="49" charset="0"/>
@@ -10255,11 +9739,11 @@
   <p:clrMapOvr>
     <a:masterClrMapping/>
   </p:clrMapOvr>
-  <mc:AlternateContent xmlns:mc="http://schemas.openxmlformats.org/markup-compatibility/2006">
-    <mc:Choice xmlns:p14="http://schemas.microsoft.com/office/powerpoint/2010/main" Requires="p14">
+  <mc:AlternateContent xmlns:mc="http://schemas.openxmlformats.org/markup-compatibility/2006" xmlns:p14="http://schemas.microsoft.com/office/powerpoint/2010/main">
+    <mc:Choice Requires="p14">
       <p:transition spd="slow" p14:dur="2000" advClick="0"/>
     </mc:Choice>
-    <mc:Fallback>
+    <mc:Fallback xmlns="">
       <p:transition spd="slow" advClick="0"/>
     </mc:Fallback>
   </mc:AlternateContent>
@@ -10273,7 +9757,7 @@
 </p:sld>
 </file>
 
-<file path=ppt/slides/slide13.xml><?xml version="1.0" encoding="utf-8"?>
+<file path=ppt/slides/slide12.xml><?xml version="1.0" encoding="utf-8"?>
 <p:sld xmlns:a="http://schemas.openxmlformats.org/drawingml/2006/main" xmlns:r="http://schemas.openxmlformats.org/officeDocument/2006/relationships" xmlns:p="http://schemas.openxmlformats.org/presentationml/2006/main">
   <p:cSld>
     <p:spTree>
@@ -10300,7 +9784,15 @@
             <p:ph type="title"/>
           </p:nvPr>
         </p:nvSpPr>
-        <p:spPr/>
+        <p:spPr>
+          <a:xfrm>
+            <a:off x="179512" y="483518"/>
+            <a:ext cx="6696744" cy="990600"/>
+          </a:xfrm>
+          <a:solidFill>
+            <a:schemeClr val="bg1"/>
+          </a:solidFill>
+        </p:spPr>
         <p:txBody>
           <a:bodyPr/>
           <a:lstStyle/>
@@ -10507,7 +9999,15 @@
             </a:pPr>
             <a:r>
               <a:rPr lang="en-GB" sz="1800" dirty="0" smtClean="0"/>
-              <a:t>Then, use PPS/hardware SPI is #2 works</a:t>
+              <a:t>Then, use PPS/hardware SPI is </a:t>
+            </a:r>
+            <a:r>
+              <a:rPr lang="en-GB" sz="1800" dirty="0" smtClean="0"/>
+              <a:t>#3 </a:t>
+            </a:r>
+            <a:r>
+              <a:rPr lang="en-GB" sz="1800" dirty="0" smtClean="0"/>
+              <a:t>works</a:t>
             </a:r>
             <a:endParaRPr lang="en-GB" sz="1800" dirty="0"/>
           </a:p>
@@ -10599,12 +10099,131 @@
   <p:clrMapOvr>
     <a:masterClrMapping/>
   </p:clrMapOvr>
-  <mc:AlternateContent xmlns:mc="http://schemas.openxmlformats.org/markup-compatibility/2006">
-    <mc:Choice xmlns:p14="http://schemas.microsoft.com/office/powerpoint/2010/main" Requires="p14">
+  <mc:AlternateContent xmlns:mc="http://schemas.openxmlformats.org/markup-compatibility/2006" xmlns:p14="http://schemas.microsoft.com/office/powerpoint/2010/main">
+    <mc:Choice Requires="p14">
       <p:transition spd="slow" p14:dur="2000" advClick="0"/>
     </mc:Choice>
-    <mc:Fallback>
+    <mc:Fallback xmlns="">
       <p:transition spd="slow" advClick="0"/>
+    </mc:Fallback>
+  </mc:AlternateContent>
+  <p:timing>
+    <p:tnLst>
+      <p:par>
+        <p:cTn id="1" dur="indefinite" restart="never" nodeType="tmRoot"/>
+      </p:par>
+    </p:tnLst>
+  </p:timing>
+</p:sld>
+</file>
+
+<file path=ppt/slides/slide13.xml><?xml version="1.0" encoding="utf-8"?>
+<p:sld xmlns:a="http://schemas.openxmlformats.org/drawingml/2006/main" xmlns:r="http://schemas.openxmlformats.org/officeDocument/2006/relationships" xmlns:p="http://schemas.openxmlformats.org/presentationml/2006/main">
+  <p:cSld>
+    <p:spTree>
+      <p:nvGrpSpPr>
+        <p:cNvPr id="1" name=""/>
+        <p:cNvGrpSpPr/>
+        <p:nvPr/>
+      </p:nvGrpSpPr>
+      <p:grpSpPr>
+        <a:xfrm>
+          <a:off x="0" y="0"/>
+          <a:ext cx="0" cy="0"/>
+          <a:chOff x="0" y="0"/>
+          <a:chExt cx="0" cy="0"/>
+        </a:xfrm>
+      </p:grpSpPr>
+      <p:sp>
+        <p:nvSpPr>
+          <p:cNvPr id="2" name="Title 1"/>
+          <p:cNvSpPr>
+            <a:spLocks noGrp="1"/>
+          </p:cNvSpPr>
+          <p:nvPr>
+            <p:ph type="title"/>
+          </p:nvPr>
+        </p:nvSpPr>
+        <p:spPr/>
+        <p:txBody>
+          <a:bodyPr/>
+          <a:lstStyle/>
+          <a:p>
+            <a:r>
+              <a:rPr lang="en-GB" dirty="0" smtClean="0"/>
+              <a:t>Lab</a:t>
+            </a:r>
+            <a:endParaRPr lang="en-GB" dirty="0"/>
+          </a:p>
+        </p:txBody>
+      </p:sp>
+      <p:sp>
+        <p:nvSpPr>
+          <p:cNvPr id="3" name="Content Placeholder 2"/>
+          <p:cNvSpPr>
+            <a:spLocks noGrp="1"/>
+          </p:cNvSpPr>
+          <p:nvPr>
+            <p:ph idx="1"/>
+          </p:nvPr>
+        </p:nvSpPr>
+        <p:spPr/>
+        <p:txBody>
+          <a:bodyPr/>
+          <a:lstStyle/>
+          <a:p>
+            <a:r>
+              <a:rPr lang="en-GB" dirty="0" smtClean="0"/>
+              <a:t>Review setup and operation of a SPI GLCD</a:t>
+            </a:r>
+          </a:p>
+          <a:p>
+            <a:pPr lvl="1"/>
+            <a:r>
+              <a:rPr lang="en-GB" dirty="0" smtClean="0"/>
+              <a:t>Software SPI – bit banging</a:t>
+            </a:r>
+          </a:p>
+          <a:p>
+            <a:pPr lvl="1"/>
+            <a:r>
+              <a:rPr lang="en-GB" dirty="0" err="1" smtClean="0"/>
+              <a:t>Harware</a:t>
+            </a:r>
+            <a:r>
+              <a:rPr lang="en-GB" dirty="0" smtClean="0"/>
+              <a:t> SPI – with PPS ( of course)</a:t>
+            </a:r>
+          </a:p>
+          <a:p>
+            <a:pPr lvl="2"/>
+            <a:r>
+              <a:rPr lang="en-GB" dirty="0" smtClean="0"/>
+              <a:t>Conditional compilation</a:t>
+            </a:r>
+          </a:p>
+          <a:p>
+            <a:pPr lvl="2"/>
+            <a:endParaRPr lang="en-GB" dirty="0"/>
+          </a:p>
+        </p:txBody>
+      </p:sp>
+    </p:spTree>
+    <p:extLst>
+      <p:ext uri="{BB962C8B-B14F-4D97-AF65-F5344CB8AC3E}">
+        <p14:creationId xmlns:p14="http://schemas.microsoft.com/office/powerpoint/2010/main" val="2239580394"/>
+      </p:ext>
+    </p:extLst>
+  </p:cSld>
+  <p:clrMapOvr>
+    <a:masterClrMapping/>
+  </p:clrMapOvr>
+  <mc:AlternateContent xmlns:mc="http://schemas.openxmlformats.org/markup-compatibility/2006" xmlns:p14="http://schemas.microsoft.com/office/powerpoint/2010/main">
+    <mc:Choice Requires="p14">
+      <p:transition spd="slow" p14:dur="2000"/>
+    </mc:Choice>
+    <mc:Fallback xmlns="">
+      <p:transition spd="slow"/>
     </mc:Fallback>
   </mc:AlternateContent>
   <p:timing>
@@ -10724,12 +10343,14 @@
         </p:nvSpPr>
         <p:spPr/>
         <p:txBody>
-          <a:bodyPr/>
+          <a:bodyPr>
+            <a:normAutofit/>
+          </a:bodyPr>
           <a:lstStyle/>
           <a:p>
             <a:r>
               <a:rPr lang="en-GB" dirty="0" smtClean="0"/>
-              <a:t>Lab</a:t>
+              <a:t>Videos...</a:t>
             </a:r>
             <a:endParaRPr lang="en-GB" dirty="0"/>
           </a:p>
@@ -10745,51 +10366,395 @@
             <p:ph idx="1"/>
           </p:nvPr>
         </p:nvSpPr>
-        <p:spPr/>
-        <p:txBody>
-          <a:bodyPr/>
+        <p:spPr>
+          <a:xfrm>
+            <a:off x="467544" y="987574"/>
+            <a:ext cx="6447501" cy="4111476"/>
+          </a:xfrm>
+          <a:solidFill>
+            <a:schemeClr val="bg1"/>
+          </a:solidFill>
+        </p:spPr>
+        <p:txBody>
+          <a:bodyPr>
+            <a:noAutofit/>
+          </a:bodyPr>
           <a:lstStyle/>
           <a:p>
-            <a:r>
-              <a:rPr lang="en-GB" dirty="0" smtClean="0"/>
-              <a:t>Review setup and operation of a SPI GLCD</a:t>
-            </a:r>
-          </a:p>
-          <a:p>
-            <a:pPr lvl="1"/>
-            <a:r>
-              <a:rPr lang="en-GB" dirty="0" smtClean="0"/>
-              <a:t>Software SPI – bit banging</a:t>
-            </a:r>
-          </a:p>
-          <a:p>
-            <a:pPr lvl="1"/>
-            <a:r>
-              <a:rPr lang="en-GB" dirty="0" err="1" smtClean="0"/>
-              <a:t>Harware</a:t>
-            </a:r>
-            <a:r>
-              <a:rPr lang="en-GB" dirty="0" smtClean="0"/>
-              <a:t> SPI – with PPS ( of course)</a:t>
-            </a:r>
-          </a:p>
-          <a:p>
-            <a:pPr lvl="2"/>
-            <a:r>
-              <a:rPr lang="en-GB" dirty="0" smtClean="0"/>
-              <a:t>Conditional compilation</a:t>
-            </a:r>
-          </a:p>
-          <a:p>
-            <a:pPr lvl="2"/>
-            <a:endParaRPr lang="en-GB" dirty="0"/>
+            <a:pPr marL="180000" indent="-478483">
+              <a:spcBef>
+                <a:spcPts val="300"/>
+              </a:spcBef>
+              <a:buFont typeface="+mj-lt"/>
+              <a:buAutoNum type="arabicPeriod"/>
+            </a:pPr>
+            <a:r>
+              <a:rPr lang="en-GB" sz="1100" dirty="0"/>
+              <a:t>Install the hardware and make the board work – three LED programs</a:t>
+            </a:r>
+          </a:p>
+          <a:p>
+            <a:pPr marL="180000" indent="-478483">
+              <a:spcBef>
+                <a:spcPts val="300"/>
+              </a:spcBef>
+              <a:buFont typeface="+mj-lt"/>
+              <a:buAutoNum type="arabicPeriod"/>
+            </a:pPr>
+            <a:r>
+              <a:rPr lang="en-GB" sz="1100" dirty="0"/>
+              <a:t>Make  four LEDs flash in a sequence</a:t>
+            </a:r>
+          </a:p>
+          <a:p>
+            <a:pPr marL="180000" indent="-478483">
+              <a:spcBef>
+                <a:spcPts val="300"/>
+              </a:spcBef>
+              <a:buFont typeface="+mj-lt"/>
+              <a:buAutoNum type="arabicPeriod"/>
+            </a:pPr>
+            <a:r>
+              <a:rPr lang="en-GB" sz="1100" dirty="0"/>
+              <a:t>Set the LEDs to represent the value of ADC</a:t>
+            </a:r>
+          </a:p>
+          <a:p>
+            <a:pPr marL="180000" indent="-478483">
+              <a:spcBef>
+                <a:spcPts val="300"/>
+              </a:spcBef>
+              <a:buFont typeface="+mj-lt"/>
+              <a:buAutoNum type="arabicPeriod"/>
+            </a:pPr>
+            <a:r>
+              <a:rPr lang="en-GB" sz="1100" dirty="0"/>
+              <a:t>Sequence the LEDs with a delay using the value of ADC</a:t>
+            </a:r>
+          </a:p>
+          <a:p>
+            <a:pPr marL="180000" indent="-478483">
+              <a:spcBef>
+                <a:spcPts val="300"/>
+              </a:spcBef>
+              <a:buFont typeface="+mj-lt"/>
+              <a:buAutoNum type="arabicPeriod"/>
+            </a:pPr>
+            <a:r>
+              <a:rPr lang="en-GB" sz="1100" dirty="0"/>
+              <a:t>Using an input to set the state of the LEDs</a:t>
+            </a:r>
+          </a:p>
+          <a:p>
+            <a:pPr marL="180000" indent="-478483">
+              <a:spcBef>
+                <a:spcPts val="300"/>
+              </a:spcBef>
+              <a:buFont typeface="+mj-lt"/>
+              <a:buAutoNum type="arabicPeriod"/>
+            </a:pPr>
+            <a:r>
+              <a:rPr lang="en-GB" sz="1100" dirty="0"/>
+              <a:t>Using the reset switch</a:t>
+            </a:r>
+          </a:p>
+          <a:p>
+            <a:pPr marL="180000" indent="-478483">
+              <a:spcBef>
+                <a:spcPts val="300"/>
+              </a:spcBef>
+              <a:buFont typeface="+mj-lt"/>
+              <a:buAutoNum type="arabicPeriod"/>
+            </a:pPr>
+            <a:r>
+              <a:rPr lang="en-GB" sz="1100" dirty="0"/>
+              <a:t>Using the switch, ADC – make the LEDs flash in a sequence with reverse</a:t>
+            </a:r>
+          </a:p>
+          <a:p>
+            <a:pPr marL="180000" indent="-478483">
+              <a:spcBef>
+                <a:spcPts val="300"/>
+              </a:spcBef>
+              <a:buFont typeface="+mj-lt"/>
+              <a:buAutoNum type="arabicPeriod"/>
+            </a:pPr>
+            <a:r>
+              <a:rPr lang="en-GB" sz="1100" dirty="0"/>
+              <a:t>Using the serial to display values</a:t>
+            </a:r>
+          </a:p>
+          <a:p>
+            <a:pPr marL="180000" indent="-478483">
+              <a:spcBef>
+                <a:spcPts val="300"/>
+              </a:spcBef>
+              <a:buFont typeface="+mj-lt"/>
+              <a:buAutoNum type="arabicPeriod"/>
+            </a:pPr>
+            <a:r>
+              <a:rPr lang="en-GB" sz="1100" dirty="0"/>
+              <a:t>Using the </a:t>
+            </a:r>
+            <a:r>
+              <a:rPr lang="en-GB" sz="1100" dirty="0" smtClean="0"/>
+              <a:t>timer0 </a:t>
+            </a:r>
+            <a:r>
+              <a:rPr lang="en-GB" sz="1100" dirty="0"/>
+              <a:t>overflow, 8bit timer, 16bit timer to flash the LEDs</a:t>
+            </a:r>
+          </a:p>
+          <a:p>
+            <a:pPr marL="180000" indent="-478483">
+              <a:spcBef>
+                <a:spcPts val="300"/>
+              </a:spcBef>
+              <a:buFont typeface="+mj-lt"/>
+              <a:buAutoNum type="arabicPeriod"/>
+            </a:pPr>
+            <a:r>
+              <a:rPr lang="en-GB" sz="1100" dirty="0"/>
+              <a:t>Using EEProm – showing values on the serial terminal, and more constants insights</a:t>
+            </a:r>
+          </a:p>
+          <a:p>
+            <a:pPr marL="180000" indent="-478483">
+              <a:spcBef>
+                <a:spcPts val="300"/>
+              </a:spcBef>
+              <a:buFont typeface="+mj-lt"/>
+              <a:buAutoNum type="arabicPeriod"/>
+            </a:pPr>
+            <a:r>
+              <a:rPr lang="en-GB" sz="1100" dirty="0"/>
+              <a:t>Using I2C with serial to discover I2C devices</a:t>
+            </a:r>
+          </a:p>
+          <a:p>
+            <a:pPr marL="180000" indent="-478483">
+              <a:spcBef>
+                <a:spcPts val="300"/>
+              </a:spcBef>
+              <a:buFont typeface="+mj-lt"/>
+              <a:buAutoNum type="arabicPeriod"/>
+            </a:pPr>
+            <a:r>
+              <a:rPr lang="en-GB" sz="1100" dirty="0"/>
+              <a:t>Using </a:t>
+            </a:r>
+            <a:r>
+              <a:rPr lang="en-GB" sz="1100" dirty="0" smtClean="0"/>
+              <a:t>I2C </a:t>
+            </a:r>
+            <a:r>
+              <a:rPr lang="en-GB" sz="1100" dirty="0"/>
+              <a:t>GCLD </a:t>
+            </a:r>
+            <a:r>
+              <a:rPr lang="en-GB" sz="1100" dirty="0" smtClean="0"/>
+              <a:t>display solutions</a:t>
+            </a:r>
+            <a:endParaRPr lang="en-GB" sz="1100" dirty="0"/>
+          </a:p>
+          <a:p>
+            <a:pPr marL="180000" indent="-478483">
+              <a:spcBef>
+                <a:spcPts val="300"/>
+              </a:spcBef>
+              <a:buFont typeface="+mj-lt"/>
+              <a:buAutoNum type="arabicPeriod"/>
+            </a:pPr>
+            <a:r>
+              <a:rPr lang="en-GB" sz="1100" dirty="0"/>
+              <a:t>Using a </a:t>
+            </a:r>
+            <a:r>
+              <a:rPr lang="en-GB" sz="1100" dirty="0" smtClean="0"/>
+              <a:t>SPI GLCD  display solutions</a:t>
+            </a:r>
+            <a:endParaRPr lang="en-GB" sz="1100" dirty="0"/>
+          </a:p>
+          <a:p>
+            <a:pPr marL="180000" indent="-478483">
+              <a:spcBef>
+                <a:spcPts val="300"/>
+              </a:spcBef>
+              <a:buFont typeface="+mj-lt"/>
+              <a:buAutoNum type="arabicPeriod"/>
+            </a:pPr>
+            <a:r>
+              <a:rPr lang="en-GB" sz="1100" b="1" dirty="0"/>
+              <a:t>Using PWM</a:t>
+            </a:r>
+            <a:r>
+              <a:rPr lang="en-GB" sz="1100" b="1" dirty="0" smtClean="0"/>
+              <a:t>, many ways</a:t>
+            </a:r>
+            <a:r>
+              <a:rPr lang="en-GB" sz="1100" b="1" dirty="0"/>
+              <a:t>,  to dim the LEDS</a:t>
+            </a:r>
+          </a:p>
+          <a:p>
+            <a:pPr marL="180000" indent="-478483">
+              <a:spcBef>
+                <a:spcPts val="300"/>
+              </a:spcBef>
+              <a:buFont typeface="+mj-lt"/>
+              <a:buAutoNum type="arabicPeriod"/>
+            </a:pPr>
+            <a:r>
+              <a:rPr lang="en-GB" sz="1100" dirty="0"/>
+              <a:t>Using an external interrupt to control an LED</a:t>
+            </a:r>
+          </a:p>
+          <a:p>
+            <a:pPr marL="180000" indent="-478483">
+              <a:spcBef>
+                <a:spcPts val="300"/>
+              </a:spcBef>
+              <a:buFont typeface="+mj-lt"/>
+              <a:buAutoNum type="arabicPeriod"/>
+            </a:pPr>
+            <a:r>
+              <a:rPr lang="en-GB" sz="1100" dirty="0"/>
+              <a:t>Using storage within the chip – Progmem, SAF memory, EEPROM and DATA blocks</a:t>
+            </a:r>
+          </a:p>
+          <a:p>
+            <a:pPr marL="180000" indent="-478483">
+              <a:spcBef>
+                <a:spcPts val="300"/>
+              </a:spcBef>
+              <a:buFont typeface="+mj-lt"/>
+              <a:buAutoNum type="arabicPeriod"/>
+            </a:pPr>
+            <a:r>
+              <a:rPr lang="en-GB" sz="1100" dirty="0"/>
+              <a:t>Using CLC</a:t>
+            </a:r>
+          </a:p>
+          <a:p>
+            <a:pPr marL="180000" indent="-478483">
+              <a:spcBef>
+                <a:spcPts val="300"/>
+              </a:spcBef>
+              <a:buFont typeface="+mj-lt"/>
+              <a:buAutoNum type="arabicPeriod"/>
+            </a:pPr>
+            <a:r>
+              <a:rPr lang="en-GB" sz="1100" dirty="0"/>
+              <a:t>The GCBASIC tool chain</a:t>
+            </a:r>
+          </a:p>
+          <a:p>
+            <a:pPr marL="180000" indent="-478483">
+              <a:spcBef>
+                <a:spcPts val="300"/>
+              </a:spcBef>
+              <a:buFont typeface="+mj-lt"/>
+              <a:buAutoNum type="arabicPeriod"/>
+            </a:pPr>
+            <a:r>
+              <a:rPr lang="en-GB" sz="1100" dirty="0"/>
+              <a:t>Assembly , alternatives assemblers and MPLAB-X</a:t>
+            </a:r>
+          </a:p>
+          <a:p>
+            <a:pPr marL="180000" indent="-478483">
+              <a:spcBef>
+                <a:spcPts val="300"/>
+              </a:spcBef>
+              <a:buFont typeface="+mj-lt"/>
+              <a:buAutoNum type="arabicPeriod"/>
+            </a:pPr>
+            <a:r>
+              <a:rPr lang="en-GB" sz="1100" dirty="0"/>
+              <a:t>Summary</a:t>
+            </a:r>
+          </a:p>
+          <a:p>
+            <a:pPr marL="180000" indent="-478483">
+              <a:spcBef>
+                <a:spcPts val="300"/>
+              </a:spcBef>
+              <a:buFont typeface="+mj-lt"/>
+              <a:buAutoNum type="arabicPeriod"/>
+            </a:pPr>
+            <a:endParaRPr lang="en-GB" sz="400" dirty="0" smtClean="0">
+              <a:solidFill>
+                <a:schemeClr val="bg1">
+                  <a:lumMod val="75000"/>
+                </a:schemeClr>
+              </a:solidFill>
+            </a:endParaRPr>
+          </a:p>
+          <a:p>
+            <a:pPr marL="180000" indent="-478483">
+              <a:spcBef>
+                <a:spcPts val="300"/>
+              </a:spcBef>
+              <a:buNone/>
+            </a:pPr>
+            <a:endParaRPr lang="en-GB" sz="700" dirty="0" smtClean="0"/>
+          </a:p>
+          <a:p>
+            <a:pPr marL="180000" indent="-478483">
+              <a:spcBef>
+                <a:spcPts val="300"/>
+              </a:spcBef>
+              <a:buFont typeface="+mj-lt"/>
+              <a:buAutoNum type="arabicPeriod"/>
+            </a:pPr>
+            <a:endParaRPr lang="en-GB" sz="700" dirty="0" smtClean="0"/>
+          </a:p>
+          <a:p>
+            <a:pPr marL="180000" indent="-478483">
+              <a:spcBef>
+                <a:spcPts val="300"/>
+              </a:spcBef>
+              <a:buFont typeface="+mj-lt"/>
+              <a:buAutoNum type="arabicPeriod"/>
+            </a:pPr>
+            <a:endParaRPr lang="en-GB" sz="500" dirty="0" smtClean="0"/>
+          </a:p>
+          <a:p>
+            <a:pPr marL="180000" indent="-478483">
+              <a:spcBef>
+                <a:spcPts val="300"/>
+              </a:spcBef>
+              <a:buFont typeface="+mj-lt"/>
+              <a:buAutoNum type="arabicPeriod"/>
+            </a:pPr>
+            <a:endParaRPr lang="en-GB" sz="500" dirty="0" smtClean="0"/>
+          </a:p>
+          <a:p>
+            <a:pPr marL="180000" indent="-478483">
+              <a:spcBef>
+                <a:spcPts val="300"/>
+              </a:spcBef>
+              <a:buFont typeface="+mj-lt"/>
+              <a:buAutoNum type="arabicPeriod"/>
+            </a:pPr>
+            <a:endParaRPr lang="en-GB" sz="500" dirty="0" smtClean="0"/>
+          </a:p>
+          <a:p>
+            <a:pPr marL="180000" indent="-478483">
+              <a:spcBef>
+                <a:spcPts val="300"/>
+              </a:spcBef>
+              <a:buFont typeface="+mj-lt"/>
+              <a:buAutoNum type="arabicPeriod"/>
+            </a:pPr>
+            <a:endParaRPr lang="en-GB" sz="500" dirty="0"/>
           </a:p>
         </p:txBody>
       </p:sp>
     </p:spTree>
     <p:extLst>
       <p:ext uri="{BB962C8B-B14F-4D97-AF65-F5344CB8AC3E}">
-        <p14:creationId xmlns:p14="http://schemas.microsoft.com/office/powerpoint/2010/main" val="2239580394"/>
+        <p14:creationId xmlns:p14="http://schemas.microsoft.com/office/powerpoint/2010/main" val="21571518"/>
       </p:ext>
     </p:extLst>
   </p:cSld>
@@ -10838,471 +10803,6 @@
             <a:spLocks noGrp="1"/>
           </p:cNvSpPr>
           <p:nvPr>
-            <p:ph type="title"/>
-          </p:nvPr>
-        </p:nvSpPr>
-        <p:spPr/>
-        <p:txBody>
-          <a:bodyPr>
-            <a:normAutofit/>
-          </a:bodyPr>
-          <a:lstStyle/>
-          <a:p>
-            <a:r>
-              <a:rPr lang="en-GB" dirty="0" smtClean="0"/>
-              <a:t>Videos...</a:t>
-            </a:r>
-            <a:endParaRPr lang="en-GB" dirty="0"/>
-          </a:p>
-        </p:txBody>
-      </p:sp>
-      <p:sp>
-        <p:nvSpPr>
-          <p:cNvPr id="3" name="Content Placeholder 2"/>
-          <p:cNvSpPr>
-            <a:spLocks noGrp="1"/>
-          </p:cNvSpPr>
-          <p:nvPr>
-            <p:ph idx="1"/>
-          </p:nvPr>
-        </p:nvSpPr>
-        <p:spPr>
-          <a:xfrm>
-            <a:off x="467544" y="987574"/>
-            <a:ext cx="6447501" cy="4111476"/>
-          </a:xfrm>
-          <a:solidFill>
-            <a:schemeClr val="bg1"/>
-          </a:solidFill>
-        </p:spPr>
-        <p:txBody>
-          <a:bodyPr>
-            <a:noAutofit/>
-          </a:bodyPr>
-          <a:lstStyle/>
-          <a:p>
-            <a:pPr marL="180000" indent="-478483">
-              <a:spcBef>
-                <a:spcPts val="300"/>
-              </a:spcBef>
-              <a:buFont typeface="+mj-lt"/>
-              <a:buAutoNum type="arabicPeriod"/>
-            </a:pPr>
-            <a:r>
-              <a:rPr lang="en-GB" sz="1100" dirty="0"/>
-              <a:t>Install the hardware and make the board work – three LED programs</a:t>
-            </a:r>
-          </a:p>
-          <a:p>
-            <a:pPr marL="180000" indent="-478483">
-              <a:spcBef>
-                <a:spcPts val="300"/>
-              </a:spcBef>
-              <a:buFont typeface="+mj-lt"/>
-              <a:buAutoNum type="arabicPeriod"/>
-            </a:pPr>
-            <a:r>
-              <a:rPr lang="en-GB" sz="1100" dirty="0"/>
-              <a:t>Make  four LEDs flash in a sequence</a:t>
-            </a:r>
-          </a:p>
-          <a:p>
-            <a:pPr marL="180000" indent="-478483">
-              <a:spcBef>
-                <a:spcPts val="300"/>
-              </a:spcBef>
-              <a:buFont typeface="+mj-lt"/>
-              <a:buAutoNum type="arabicPeriod"/>
-            </a:pPr>
-            <a:r>
-              <a:rPr lang="en-GB" sz="1100" dirty="0"/>
-              <a:t>Set the LEDs to represent the value of ADC</a:t>
-            </a:r>
-          </a:p>
-          <a:p>
-            <a:pPr marL="180000" indent="-478483">
-              <a:spcBef>
-                <a:spcPts val="300"/>
-              </a:spcBef>
-              <a:buFont typeface="+mj-lt"/>
-              <a:buAutoNum type="arabicPeriod"/>
-            </a:pPr>
-            <a:r>
-              <a:rPr lang="en-GB" sz="1100" dirty="0"/>
-              <a:t>Sequence the LEDs with a delay using the value of ADC</a:t>
-            </a:r>
-          </a:p>
-          <a:p>
-            <a:pPr marL="180000" indent="-478483">
-              <a:spcBef>
-                <a:spcPts val="300"/>
-              </a:spcBef>
-              <a:buFont typeface="+mj-lt"/>
-              <a:buAutoNum type="arabicPeriod"/>
-            </a:pPr>
-            <a:r>
-              <a:rPr lang="en-GB" sz="1100" dirty="0"/>
-              <a:t>Using an input to set the state of the LEDs</a:t>
-            </a:r>
-          </a:p>
-          <a:p>
-            <a:pPr marL="180000" indent="-478483">
-              <a:spcBef>
-                <a:spcPts val="300"/>
-              </a:spcBef>
-              <a:buFont typeface="+mj-lt"/>
-              <a:buAutoNum type="arabicPeriod"/>
-            </a:pPr>
-            <a:r>
-              <a:rPr lang="en-GB" sz="1100" dirty="0"/>
-              <a:t>Using the reset switch</a:t>
-            </a:r>
-          </a:p>
-          <a:p>
-            <a:pPr marL="180000" indent="-478483">
-              <a:spcBef>
-                <a:spcPts val="300"/>
-              </a:spcBef>
-              <a:buFont typeface="+mj-lt"/>
-              <a:buAutoNum type="arabicPeriod"/>
-            </a:pPr>
-            <a:r>
-              <a:rPr lang="en-GB" sz="1100" dirty="0"/>
-              <a:t>Using the switch, ADC – make the LEDs flash in a sequence with reverse</a:t>
-            </a:r>
-          </a:p>
-          <a:p>
-            <a:pPr marL="180000" indent="-478483">
-              <a:spcBef>
-                <a:spcPts val="300"/>
-              </a:spcBef>
-              <a:buFont typeface="+mj-lt"/>
-              <a:buAutoNum type="arabicPeriod"/>
-            </a:pPr>
-            <a:r>
-              <a:rPr lang="en-GB" sz="1100" dirty="0"/>
-              <a:t>Using the serial to display values</a:t>
-            </a:r>
-          </a:p>
-          <a:p>
-            <a:pPr marL="180000" indent="-478483">
-              <a:spcBef>
-                <a:spcPts val="300"/>
-              </a:spcBef>
-              <a:buFont typeface="+mj-lt"/>
-              <a:buAutoNum type="arabicPeriod"/>
-            </a:pPr>
-            <a:r>
-              <a:rPr lang="en-GB" sz="1100" dirty="0"/>
-              <a:t>Using the </a:t>
-            </a:r>
-            <a:r>
-              <a:rPr lang="en-GB" sz="1100" dirty="0" smtClean="0"/>
-              <a:t>timer0 </a:t>
-            </a:r>
-            <a:r>
-              <a:rPr lang="en-GB" sz="1100" dirty="0"/>
-              <a:t>overflow, 8bit timer, 16bit timer to flash the LEDs</a:t>
-            </a:r>
-          </a:p>
-          <a:p>
-            <a:pPr marL="180000" indent="-478483">
-              <a:spcBef>
-                <a:spcPts val="300"/>
-              </a:spcBef>
-              <a:buFont typeface="+mj-lt"/>
-              <a:buAutoNum type="arabicPeriod"/>
-            </a:pPr>
-            <a:r>
-              <a:rPr lang="en-GB" sz="1100" dirty="0"/>
-              <a:t>Using EEProm – showing values on the serial terminal, and more constants insights</a:t>
-            </a:r>
-          </a:p>
-          <a:p>
-            <a:pPr marL="180000" indent="-478483">
-              <a:spcBef>
-                <a:spcPts val="300"/>
-              </a:spcBef>
-              <a:buFont typeface="+mj-lt"/>
-              <a:buAutoNum type="arabicPeriod"/>
-            </a:pPr>
-            <a:r>
-              <a:rPr lang="en-GB" sz="1100" dirty="0"/>
-              <a:t>Using I2C with serial to discover I2C devices</a:t>
-            </a:r>
-          </a:p>
-          <a:p>
-            <a:pPr marL="180000" indent="-478483">
-              <a:spcBef>
-                <a:spcPts val="300"/>
-              </a:spcBef>
-              <a:buFont typeface="+mj-lt"/>
-              <a:buAutoNum type="arabicPeriod"/>
-            </a:pPr>
-            <a:r>
-              <a:rPr lang="en-GB" sz="1100" dirty="0"/>
-              <a:t>Using </a:t>
-            </a:r>
-            <a:r>
-              <a:rPr lang="en-GB" sz="1100" dirty="0" smtClean="0"/>
-              <a:t>I2C </a:t>
-            </a:r>
-            <a:r>
-              <a:rPr lang="en-GB" sz="1100" dirty="0"/>
-              <a:t>GCLD </a:t>
-            </a:r>
-            <a:r>
-              <a:rPr lang="en-GB" sz="1100" dirty="0" smtClean="0"/>
-              <a:t>display solutions</a:t>
-            </a:r>
-            <a:endParaRPr lang="en-GB" sz="1100" dirty="0"/>
-          </a:p>
-          <a:p>
-            <a:pPr marL="180000" indent="-478483">
-              <a:spcBef>
-                <a:spcPts val="300"/>
-              </a:spcBef>
-              <a:buFont typeface="+mj-lt"/>
-              <a:buAutoNum type="arabicPeriod"/>
-            </a:pPr>
-            <a:r>
-              <a:rPr lang="en-GB" sz="1100" dirty="0"/>
-              <a:t>Using a </a:t>
-            </a:r>
-            <a:r>
-              <a:rPr lang="en-GB" sz="1100" dirty="0" smtClean="0"/>
-              <a:t>SPI GLCD  display solutions</a:t>
-            </a:r>
-            <a:endParaRPr lang="en-GB" sz="1100" dirty="0"/>
-          </a:p>
-          <a:p>
-            <a:pPr marL="180000" indent="-478483">
-              <a:spcBef>
-                <a:spcPts val="300"/>
-              </a:spcBef>
-              <a:buFont typeface="+mj-lt"/>
-              <a:buAutoNum type="arabicPeriod"/>
-            </a:pPr>
-            <a:r>
-              <a:rPr lang="en-GB" sz="1100" b="1" dirty="0"/>
-              <a:t>Using PWM, </a:t>
-            </a:r>
-            <a:r>
-              <a:rPr lang="en-GB" sz="1100" b="1" dirty="0" smtClean="0"/>
-              <a:t>6  </a:t>
-            </a:r>
-            <a:r>
-              <a:rPr lang="en-GB" sz="1100" b="1" dirty="0"/>
-              <a:t>ways,  to dim the LEDS</a:t>
-            </a:r>
-          </a:p>
-          <a:p>
-            <a:pPr marL="180000" indent="-478483">
-              <a:spcBef>
-                <a:spcPts val="300"/>
-              </a:spcBef>
-              <a:buFont typeface="+mj-lt"/>
-              <a:buAutoNum type="arabicPeriod"/>
-            </a:pPr>
-            <a:r>
-              <a:rPr lang="en-GB" sz="1100" dirty="0"/>
-              <a:t>Using an external interrupt to control an LED</a:t>
-            </a:r>
-          </a:p>
-          <a:p>
-            <a:pPr marL="180000" indent="-478483">
-              <a:spcBef>
-                <a:spcPts val="300"/>
-              </a:spcBef>
-              <a:buFont typeface="+mj-lt"/>
-              <a:buAutoNum type="arabicPeriod"/>
-            </a:pPr>
-            <a:r>
-              <a:rPr lang="en-GB" sz="1100" dirty="0"/>
-              <a:t>Using storage within the chip – Progmem, SAF memory, EEPROM and DATA blocks</a:t>
-            </a:r>
-          </a:p>
-          <a:p>
-            <a:pPr marL="180000" indent="-478483">
-              <a:spcBef>
-                <a:spcPts val="300"/>
-              </a:spcBef>
-              <a:buFont typeface="+mj-lt"/>
-              <a:buAutoNum type="arabicPeriod"/>
-            </a:pPr>
-            <a:r>
-              <a:rPr lang="en-GB" sz="1100" dirty="0"/>
-              <a:t>Using CLC</a:t>
-            </a:r>
-          </a:p>
-          <a:p>
-            <a:pPr marL="180000" indent="-478483">
-              <a:spcBef>
-                <a:spcPts val="300"/>
-              </a:spcBef>
-              <a:buFont typeface="+mj-lt"/>
-              <a:buAutoNum type="arabicPeriod"/>
-            </a:pPr>
-            <a:r>
-              <a:rPr lang="en-GB" sz="1100" dirty="0"/>
-              <a:t>The GCBASIC tool chain</a:t>
-            </a:r>
-          </a:p>
-          <a:p>
-            <a:pPr marL="180000" indent="-478483">
-              <a:spcBef>
-                <a:spcPts val="300"/>
-              </a:spcBef>
-              <a:buFont typeface="+mj-lt"/>
-              <a:buAutoNum type="arabicPeriod"/>
-            </a:pPr>
-            <a:r>
-              <a:rPr lang="en-GB" sz="1100" dirty="0"/>
-              <a:t>Assembly , alternatives assemblers and MPLAB-X</a:t>
-            </a:r>
-          </a:p>
-          <a:p>
-            <a:pPr marL="180000" indent="-478483">
-              <a:spcBef>
-                <a:spcPts val="300"/>
-              </a:spcBef>
-              <a:buFont typeface="+mj-lt"/>
-              <a:buAutoNum type="arabicPeriod"/>
-            </a:pPr>
-            <a:r>
-              <a:rPr lang="en-GB" sz="1100" dirty="0"/>
-              <a:t>Summary</a:t>
-            </a:r>
-          </a:p>
-          <a:p>
-            <a:pPr marL="180000" indent="-478483">
-              <a:spcBef>
-                <a:spcPts val="300"/>
-              </a:spcBef>
-              <a:buFont typeface="+mj-lt"/>
-              <a:buAutoNum type="arabicPeriod"/>
-            </a:pPr>
-            <a:endParaRPr lang="en-GB" sz="400" dirty="0" smtClean="0">
-              <a:solidFill>
-                <a:schemeClr val="bg1">
-                  <a:lumMod val="75000"/>
-                </a:schemeClr>
-              </a:solidFill>
-            </a:endParaRPr>
-          </a:p>
-          <a:p>
-            <a:pPr marL="180000" indent="-478483">
-              <a:spcBef>
-                <a:spcPts val="300"/>
-              </a:spcBef>
-              <a:buNone/>
-            </a:pPr>
-            <a:endParaRPr lang="en-GB" sz="700" dirty="0" smtClean="0"/>
-          </a:p>
-          <a:p>
-            <a:pPr marL="180000" indent="-478483">
-              <a:spcBef>
-                <a:spcPts val="300"/>
-              </a:spcBef>
-              <a:buFont typeface="+mj-lt"/>
-              <a:buAutoNum type="arabicPeriod"/>
-            </a:pPr>
-            <a:endParaRPr lang="en-GB" sz="700" dirty="0" smtClean="0"/>
-          </a:p>
-          <a:p>
-            <a:pPr marL="180000" indent="-478483">
-              <a:spcBef>
-                <a:spcPts val="300"/>
-              </a:spcBef>
-              <a:buFont typeface="+mj-lt"/>
-              <a:buAutoNum type="arabicPeriod"/>
-            </a:pPr>
-            <a:endParaRPr lang="en-GB" sz="500" dirty="0" smtClean="0"/>
-          </a:p>
-          <a:p>
-            <a:pPr marL="180000" indent="-478483">
-              <a:spcBef>
-                <a:spcPts val="300"/>
-              </a:spcBef>
-              <a:buFont typeface="+mj-lt"/>
-              <a:buAutoNum type="arabicPeriod"/>
-            </a:pPr>
-            <a:endParaRPr lang="en-GB" sz="500" dirty="0" smtClean="0"/>
-          </a:p>
-          <a:p>
-            <a:pPr marL="180000" indent="-478483">
-              <a:spcBef>
-                <a:spcPts val="300"/>
-              </a:spcBef>
-              <a:buFont typeface="+mj-lt"/>
-              <a:buAutoNum type="arabicPeriod"/>
-            </a:pPr>
-            <a:endParaRPr lang="en-GB" sz="500" dirty="0" smtClean="0"/>
-          </a:p>
-          <a:p>
-            <a:pPr marL="180000" indent="-478483">
-              <a:spcBef>
-                <a:spcPts val="300"/>
-              </a:spcBef>
-              <a:buFont typeface="+mj-lt"/>
-              <a:buAutoNum type="arabicPeriod"/>
-            </a:pPr>
-            <a:endParaRPr lang="en-GB" sz="500" dirty="0"/>
-          </a:p>
-        </p:txBody>
-      </p:sp>
-    </p:spTree>
-    <p:extLst>
-      <p:ext uri="{BB962C8B-B14F-4D97-AF65-F5344CB8AC3E}">
-        <p14:creationId xmlns:p14="http://schemas.microsoft.com/office/powerpoint/2010/main" val="21571518"/>
-      </p:ext>
-    </p:extLst>
-  </p:cSld>
-  <p:clrMapOvr>
-    <a:masterClrMapping/>
-  </p:clrMapOvr>
-  <mc:AlternateContent xmlns:mc="http://schemas.openxmlformats.org/markup-compatibility/2006" xmlns:p14="http://schemas.microsoft.com/office/powerpoint/2010/main">
-    <mc:Choice Requires="p14">
-      <p:transition spd="slow" p14:dur="2000"/>
-    </mc:Choice>
-    <mc:Fallback xmlns="">
-      <p:transition spd="slow"/>
-    </mc:Fallback>
-  </mc:AlternateContent>
-  <p:timing>
-    <p:tnLst>
-      <p:par>
-        <p:cTn id="1" dur="indefinite" restart="never" nodeType="tmRoot"/>
-      </p:par>
-    </p:tnLst>
-  </p:timing>
-</p:sld>
-</file>
-
-<file path=ppt/slides/slide17.xml><?xml version="1.0" encoding="utf-8"?>
-<p:sld xmlns:a="http://schemas.openxmlformats.org/drawingml/2006/main" xmlns:r="http://schemas.openxmlformats.org/officeDocument/2006/relationships" xmlns:p="http://schemas.openxmlformats.org/presentationml/2006/main">
-  <p:cSld>
-    <p:spTree>
-      <p:nvGrpSpPr>
-        <p:cNvPr id="1" name=""/>
-        <p:cNvGrpSpPr/>
-        <p:nvPr/>
-      </p:nvGrpSpPr>
-      <p:grpSpPr>
-        <a:xfrm>
-          <a:off x="0" y="0"/>
-          <a:ext cx="0" cy="0"/>
-          <a:chOff x="0" y="0"/>
-          <a:chExt cx="0" cy="0"/>
-        </a:xfrm>
-      </p:grpSpPr>
-      <p:sp>
-        <p:nvSpPr>
-          <p:cNvPr id="2" name="Title 1"/>
-          <p:cNvSpPr>
-            <a:spLocks noGrp="1"/>
-          </p:cNvSpPr>
-          <p:nvPr>
             <p:ph type="ctrTitle"/>
           </p:nvPr>
         </p:nvSpPr>
@@ -11618,8 +11118,9 @@
           <a:p>
             <a:r>
               <a:rPr lang="en-GB" dirty="0" smtClean="0"/>
-              <a:t>PIC18FxxQ24</a:t>
-            </a:r>
+              <a:t>PIC16F175xx</a:t>
+            </a:r>
+            <a:endParaRPr lang="en-GB" dirty="0" smtClean="0"/>
           </a:p>
           <a:p>
             <a:r>
@@ -11640,7 +11141,7 @@
       </p:sp>
       <p:pic>
         <p:nvPicPr>
-          <p:cNvPr id="10" name="Picture 2" descr="PIC18F26Q24"/>
+          <p:cNvPr id="7" name="Picture 4" descr="PIC16F17556 | Microchip Technology"/>
           <p:cNvPicPr>
             <a:picLocks noChangeAspect="1" noChangeArrowheads="1"/>
           </p:cNvPicPr>
@@ -11661,8 +11162,49 @@
         </p:blipFill>
         <p:spPr bwMode="auto">
           <a:xfrm>
-            <a:off x="1907705" y="4116163"/>
-            <a:ext cx="1280738" cy="922132"/>
+            <a:off x="6756864" y="3922804"/>
+            <a:ext cx="2415427" cy="1178257"/>
+          </a:xfrm>
+          <a:prstGeom prst="rect">
+            <a:avLst/>
+          </a:prstGeom>
+          <a:noFill/>
+          <a:extLst>
+            <a:ext uri="{909E8E84-426E-40DD-AFC4-6F175D3DCCD1}">
+              <a14:hiddenFill xmlns:a14="http://schemas.microsoft.com/office/drawing/2010/main">
+                <a:solidFill>
+                  <a:srgbClr val="FFFFFF"/>
+                </a:solidFill>
+              </a14:hiddenFill>
+            </a:ext>
+          </a:extLst>
+        </p:spPr>
+      </p:pic>
+      <p:pic>
+        <p:nvPicPr>
+          <p:cNvPr id="9" name="Picture 8" descr="VQFN / 28"/>
+          <p:cNvPicPr>
+            <a:picLocks noChangeAspect="1" noChangeArrowheads="1"/>
+          </p:cNvPicPr>
+          <p:nvPr/>
+        </p:nvPicPr>
+        <p:blipFill>
+          <a:blip r:embed="rId4">
+            <a:extLst>
+              <a:ext uri="{28A0092B-C50C-407E-A947-70E740481C1C}">
+                <a14:useLocalDpi xmlns:a14="http://schemas.microsoft.com/office/drawing/2010/main" val="0"/>
+              </a:ext>
+            </a:extLst>
+          </a:blip>
+          <a:srcRect/>
+          <a:stretch>
+            <a:fillRect/>
+          </a:stretch>
+        </p:blipFill>
+        <p:spPr bwMode="auto">
+          <a:xfrm>
+            <a:off x="2561760" y="4074815"/>
+            <a:ext cx="1142256" cy="1026246"/>
           </a:xfrm>
           <a:prstGeom prst="rect">
             <a:avLst/>
@@ -12046,8 +11588,9 @@
           <a:p>
             <a:r>
               <a:rPr lang="en-GB" dirty="0" smtClean="0"/>
-              <a:t>PIC18FxxQ24</a:t>
-            </a:r>
+              <a:t>PIC16F175xx</a:t>
+            </a:r>
+            <a:endParaRPr lang="en-GB" dirty="0" smtClean="0"/>
           </a:p>
           <a:p>
             <a:r>
@@ -12068,7 +11611,7 @@
       </p:sp>
       <p:pic>
         <p:nvPicPr>
-          <p:cNvPr id="10" name="Picture 2" descr="PIC18F26Q24"/>
+          <p:cNvPr id="7" name="Picture 4" descr="PIC16F17556 | Microchip Technology"/>
           <p:cNvPicPr>
             <a:picLocks noChangeAspect="1" noChangeArrowheads="1"/>
           </p:cNvPicPr>
@@ -12089,8 +11632,49 @@
         </p:blipFill>
         <p:spPr bwMode="auto">
           <a:xfrm>
-            <a:off x="1907705" y="4116163"/>
-            <a:ext cx="1280738" cy="922132"/>
+            <a:off x="6756864" y="3922804"/>
+            <a:ext cx="2415427" cy="1178257"/>
+          </a:xfrm>
+          <a:prstGeom prst="rect">
+            <a:avLst/>
+          </a:prstGeom>
+          <a:noFill/>
+          <a:extLst>
+            <a:ext uri="{909E8E84-426E-40DD-AFC4-6F175D3DCCD1}">
+              <a14:hiddenFill xmlns:a14="http://schemas.microsoft.com/office/drawing/2010/main">
+                <a:solidFill>
+                  <a:srgbClr val="FFFFFF"/>
+                </a:solidFill>
+              </a14:hiddenFill>
+            </a:ext>
+          </a:extLst>
+        </p:spPr>
+      </p:pic>
+      <p:pic>
+        <p:nvPicPr>
+          <p:cNvPr id="9" name="Picture 8" descr="VQFN / 28"/>
+          <p:cNvPicPr>
+            <a:picLocks noChangeAspect="1" noChangeArrowheads="1"/>
+          </p:cNvPicPr>
+          <p:nvPr/>
+        </p:nvPicPr>
+        <p:blipFill>
+          <a:blip r:embed="rId4">
+            <a:extLst>
+              <a:ext uri="{28A0092B-C50C-407E-A947-70E740481C1C}">
+                <a14:useLocalDpi xmlns:a14="http://schemas.microsoft.com/office/drawing/2010/main" val="0"/>
+              </a:ext>
+            </a:extLst>
+          </a:blip>
+          <a:srcRect/>
+          <a:stretch>
+            <a:fillRect/>
+          </a:stretch>
+        </p:blipFill>
+        <p:spPr bwMode="auto">
+          <a:xfrm>
+            <a:off x="2561760" y="4074815"/>
+            <a:ext cx="1142256" cy="1026246"/>
           </a:xfrm>
           <a:prstGeom prst="rect">
             <a:avLst/>
@@ -12303,9 +11887,38 @@
           </a:p>
         </p:txBody>
       </p:sp>
+      <p:sp>
+        <p:nvSpPr>
+          <p:cNvPr id="11" name="Date Placeholder 3"/>
+          <p:cNvSpPr>
+            <a:spLocks noGrp="1"/>
+          </p:cNvSpPr>
+          <p:nvPr>
+            <p:ph type="dt" sz="half" idx="10"/>
+          </p:nvPr>
+        </p:nvSpPr>
+        <p:spPr>
+          <a:xfrm>
+            <a:off x="6113182" y="4384422"/>
+            <a:ext cx="354882" cy="305233"/>
+          </a:xfrm>
+        </p:spPr>
+        <p:txBody>
+          <a:bodyPr/>
+          <a:lstStyle/>
+          <a:p>
+            <a:fld id="{1E700B27-DE4C-4B9E-BB11-B9027034A00F}" type="datetimeFigureOut">
+              <a:rPr lang="en-US" smtClean="0"/>
+              <a:pPr/>
+              <a:t>12/11/2025</a:t>
+            </a:fld>
+            <a:endParaRPr lang="en-US" dirty="0"/>
+          </a:p>
+        </p:txBody>
+      </p:sp>
       <p:pic>
         <p:nvPicPr>
-          <p:cNvPr id="8" name="Picture 2" descr="PIC18F26Q24"/>
+          <p:cNvPr id="9" name="Picture 4" descr="PIC16F17556 | Microchip Technology"/>
           <p:cNvPicPr>
             <a:picLocks noChangeAspect="1" noChangeArrowheads="1"/>
           </p:cNvPicPr>
@@ -12326,8 +11939,8 @@
         </p:blipFill>
         <p:spPr bwMode="auto">
           <a:xfrm>
-            <a:off x="1907705" y="4116163"/>
-            <a:ext cx="1280738" cy="922132"/>
+            <a:off x="6756864" y="3922804"/>
+            <a:ext cx="2415427" cy="1178257"/>
           </a:xfrm>
           <a:prstGeom prst="rect">
             <a:avLst/>
@@ -12346,7 +11959,7 @@
       </p:pic>
       <p:pic>
         <p:nvPicPr>
-          <p:cNvPr id="10" name="Picture 8" descr="C:\Users\admin\OneDrive\Desktop\Picture1.jpg"/>
+          <p:cNvPr id="12" name="Picture 11" descr="VQFN / 28"/>
           <p:cNvPicPr>
             <a:picLocks noChangeAspect="1" noChangeArrowheads="1"/>
           </p:cNvPicPr>
@@ -12367,8 +11980,8 @@
         </p:blipFill>
         <p:spPr bwMode="auto">
           <a:xfrm>
-            <a:off x="3995936" y="3937587"/>
-            <a:ext cx="2320300" cy="1129258"/>
+            <a:off x="2561760" y="4074815"/>
+            <a:ext cx="1142256" cy="1026246"/>
           </a:xfrm>
           <a:prstGeom prst="rect">
             <a:avLst/>
@@ -12385,35 +11998,6 @@
           </a:extLst>
         </p:spPr>
       </p:pic>
-      <p:sp>
-        <p:nvSpPr>
-          <p:cNvPr id="11" name="Date Placeholder 3"/>
-          <p:cNvSpPr>
-            <a:spLocks noGrp="1"/>
-          </p:cNvSpPr>
-          <p:nvPr>
-            <p:ph type="dt" sz="half" idx="10"/>
-          </p:nvPr>
-        </p:nvSpPr>
-        <p:spPr>
-          <a:xfrm>
-            <a:off x="6113182" y="4384422"/>
-            <a:ext cx="354882" cy="305233"/>
-          </a:xfrm>
-        </p:spPr>
-        <p:txBody>
-          <a:bodyPr/>
-          <a:lstStyle/>
-          <a:p>
-            <a:fld id="{1E700B27-DE4C-4B9E-BB11-B9027034A00F}" type="datetimeFigureOut">
-              <a:rPr lang="en-US" smtClean="0"/>
-              <a:pPr/>
-              <a:t>12/10/2024</a:t>
-            </a:fld>
-            <a:endParaRPr lang="en-US" dirty="0"/>
-          </a:p>
-        </p:txBody>
-      </p:sp>
     </p:spTree>
     <p:extLst>
       <p:ext uri="{BB962C8B-B14F-4D97-AF65-F5344CB8AC3E}">
@@ -12477,7 +12061,7 @@
             <a:pPr algn="l"/>
             <a:r>
               <a:rPr lang="en-GB" dirty="0" smtClean="0"/>
-              <a:t>PIC18FxxQ24</a:t>
+              <a:t>PIC16F175xx</a:t>
             </a:r>
             <a:endParaRPr lang="en-GB" dirty="0"/>
           </a:p>
@@ -12496,71 +12080,120 @@
         <p:spPr/>
         <p:txBody>
           <a:bodyPr>
-            <a:normAutofit fontScale="92500" lnSpcReduction="10000"/>
+            <a:normAutofit fontScale="92500"/>
           </a:bodyPr>
           <a:lstStyle/>
           <a:p>
             <a:r>
               <a:rPr lang="en-GB" dirty="0" smtClean="0"/>
-              <a:t>PIC18-Q24 is a high performance PIC18 </a:t>
+              <a:t>PIC16165xx  is a high performance PIC16</a:t>
             </a:r>
           </a:p>
           <a:p>
             <a:pPr lvl="1"/>
             <a:r>
+              <a:rPr lang="en-GB" b="1" dirty="0"/>
+              <a:t>Digital and </a:t>
+            </a:r>
+            <a:r>
+              <a:rPr lang="en-GB" b="1" dirty="0" err="1"/>
+              <a:t>analog</a:t>
+            </a:r>
+            <a:r>
+              <a:rPr lang="en-GB" b="1" dirty="0"/>
+              <a:t> peripherals</a:t>
+            </a:r>
+            <a:r>
+              <a:rPr lang="en-GB" dirty="0"/>
+              <a:t> for flexible embedded control</a:t>
+            </a:r>
+          </a:p>
+          <a:p>
+            <a:pPr lvl="1"/>
+            <a:r>
+              <a:rPr lang="en-GB" b="1" dirty="0"/>
+              <a:t>10-bit ADC</a:t>
+            </a:r>
+            <a:r>
+              <a:rPr lang="en-GB" dirty="0"/>
+              <a:t> for accurate </a:t>
+            </a:r>
+            <a:r>
+              <a:rPr lang="en-GB" dirty="0" err="1"/>
+              <a:t>analog</a:t>
+            </a:r>
+            <a:r>
+              <a:rPr lang="en-GB" dirty="0"/>
+              <a:t> signal conversion</a:t>
+            </a:r>
+          </a:p>
+          <a:p>
+            <a:pPr lvl="1"/>
+            <a:r>
+              <a:rPr lang="en-GB" b="1" dirty="0"/>
+              <a:t>Multiple communication interfaces</a:t>
+            </a:r>
+            <a:r>
+              <a:rPr lang="en-GB" dirty="0"/>
+              <a:t> including UART (serial), I²C, and SPI</a:t>
+            </a:r>
+          </a:p>
+          <a:p>
+            <a:pPr lvl="1"/>
+            <a:r>
+              <a:rPr lang="en-GB" b="1" dirty="0"/>
+              <a:t>PWM modules</a:t>
+            </a:r>
+            <a:r>
+              <a:rPr lang="en-GB" dirty="0"/>
+              <a:t> with CCP and 16-bit resolution for precise timing and motor control</a:t>
+            </a:r>
+          </a:p>
+          <a:p>
+            <a:pPr lvl="1"/>
+            <a:r>
+              <a:rPr lang="en-GB" b="1" dirty="0"/>
+              <a:t>Configurable Logic Cells (CLCs)</a:t>
+            </a:r>
+            <a:r>
+              <a:rPr lang="en-GB" dirty="0"/>
+              <a:t> for custom hardware-level logic without external components</a:t>
+            </a:r>
+          </a:p>
+          <a:p>
+            <a:pPr lvl="1"/>
+            <a:r>
+              <a:rPr lang="en-GB" b="1" dirty="0"/>
+              <a:t>Integrated op amps</a:t>
+            </a:r>
+            <a:r>
+              <a:rPr lang="en-GB" dirty="0"/>
+              <a:t> for </a:t>
+            </a:r>
+            <a:r>
+              <a:rPr lang="en-GB" dirty="0" err="1"/>
+              <a:t>onboard</a:t>
+            </a:r>
+            <a:r>
+              <a:rPr lang="en-GB" dirty="0"/>
+              <a:t> </a:t>
+            </a:r>
+            <a:r>
+              <a:rPr lang="en-GB" dirty="0" err="1"/>
+              <a:t>analog</a:t>
+            </a:r>
+            <a:r>
+              <a:rPr lang="en-GB" dirty="0"/>
+              <a:t> signal conditioning and amplification</a:t>
+            </a:r>
+          </a:p>
+          <a:p>
+            <a:endParaRPr lang="en-GB" dirty="0" smtClean="0"/>
+          </a:p>
+          <a:p>
+            <a:r>
               <a:rPr lang="en-GB" dirty="0" smtClean="0"/>
-              <a:t>Digital and Analog peripherals </a:t>
-            </a:r>
-          </a:p>
-          <a:p>
-            <a:pPr lvl="1"/>
-            <a:r>
-              <a:rPr lang="en-GB" dirty="0" smtClean="0"/>
-              <a:t>10-bit ADC</a:t>
-            </a:r>
-          </a:p>
-          <a:p>
-            <a:pPr lvl="1"/>
-            <a:r>
-              <a:rPr lang="en-GB" dirty="0" smtClean="0"/>
-              <a:t>Multiple communication interfaces</a:t>
-            </a:r>
-          </a:p>
-          <a:p>
-            <a:pPr lvl="2"/>
-            <a:r>
-              <a:rPr lang="en-GB" dirty="0" smtClean="0"/>
-              <a:t>Serial, I2C and  SPI </a:t>
-            </a:r>
-          </a:p>
-          <a:p>
-            <a:pPr lvl="2"/>
-            <a:r>
-              <a:rPr lang="en-GB" dirty="0" smtClean="0"/>
-              <a:t>PWM – CCP/PWM and 16Bit</a:t>
-            </a:r>
-          </a:p>
-          <a:p>
-            <a:pPr lvl="1"/>
-            <a:r>
-              <a:rPr lang="en-GB" dirty="0" smtClean="0"/>
-              <a:t>Configurable Logic Cells</a:t>
-            </a:r>
-          </a:p>
-          <a:p>
-            <a:pPr lvl="1"/>
-            <a:r>
-              <a:rPr lang="en-GB" dirty="0" smtClean="0"/>
-              <a:t>Multi voltage domains</a:t>
-            </a:r>
-          </a:p>
-          <a:p>
-            <a:endParaRPr lang="en-GB" dirty="0" smtClean="0"/>
-          </a:p>
-          <a:p>
-            <a:r>
-              <a:rPr lang="en-GB" dirty="0" smtClean="0"/>
-              <a:t>The PIC18xxQ24 offers 28, 40 and 48-pin products in small footprint packages to support customers in a wide variety of applications. </a:t>
+              <a:t>The PIC16175xx offers 14, 20, 28, 40 and 44-pin products in small footprint packages to support customers in a wide variety of applications. </a:t>
             </a:r>
           </a:p>
           <a:p>
@@ -12569,6 +12202,11 @@
         </p:txBody>
       </p:sp>
     </p:spTree>
+    <p:extLst>
+      <p:ext uri="{BB962C8B-B14F-4D97-AF65-F5344CB8AC3E}">
+        <p14:creationId xmlns:p14="http://schemas.microsoft.com/office/powerpoint/2010/main" val="337633293"/>
+      </p:ext>
+    </p:extLst>
   </p:cSld>
   <p:clrMapOvr>
     <a:masterClrMapping/>
@@ -12866,11 +12504,11 @@
             </a:r>
             <a:r>
               <a:rPr lang="en-GB" sz="1100" dirty="0" smtClean="0"/>
-              <a:t>6  </a:t>
+              <a:t>many ways</a:t>
             </a:r>
             <a:r>
               <a:rPr lang="en-GB" sz="1100" dirty="0"/>
-              <a:t>ways,  to dim the LEDS</a:t>
+              <a:t>,  to dim the LEDS</a:t>
             </a:r>
           </a:p>
           <a:p>
@@ -13154,7 +12792,7 @@
         <p:spPr>
           <a:xfrm>
             <a:off x="3563888" y="2643758"/>
-            <a:ext cx="3528392" cy="1393943"/>
+            <a:ext cx="3528392" cy="1655553"/>
           </a:xfrm>
           <a:prstGeom prst="rect">
             <a:avLst/>
@@ -13169,16 +12807,29 @@
           <a:p>
             <a:r>
               <a:rPr lang="en-GB" dirty="0" smtClean="0"/>
-              <a:t>GCBASIC is an Open Source compiler for PIC and AVR microcontrollers</a:t>
-            </a:r>
-          </a:p>
-          <a:p>
+              <a:t>GCBASIC is an Open Source compiler for PIC </a:t>
+            </a:r>
+            <a:r>
+              <a:rPr lang="en-GB" dirty="0" smtClean="0"/>
+              <a:t>, AVR and LGT microcontrollers</a:t>
+            </a:r>
             <a:endParaRPr lang="en-GB" dirty="0" smtClean="0"/>
           </a:p>
           <a:p>
+            <a:endParaRPr lang="en-GB" dirty="0" smtClean="0"/>
+          </a:p>
+          <a:p>
             <a:r>
               <a:rPr lang="en-GB" dirty="0" smtClean="0"/>
-              <a:t>GCBASIC now supports the 18FxxQ24 chip family</a:t>
+              <a:t>GCBASIC now supports the </a:t>
+            </a:r>
+            <a:r>
+              <a:rPr lang="en-GB" dirty="0" smtClean="0"/>
+              <a:t>16F175xx </a:t>
+            </a:r>
+            <a:r>
+              <a:rPr lang="en-GB" dirty="0" smtClean="0"/>
+              <a:t>chip family</a:t>
             </a:r>
             <a:endParaRPr lang="en-GB" dirty="0"/>
           </a:p>
@@ -13299,7 +12950,15 @@
             <a:pPr marL="778521" lvl="1" indent="-478483"/>
             <a:r>
               <a:rPr lang="en-GB" dirty="0" smtClean="0"/>
-              <a:t>Test that you have the 18FxxQ24 attached</a:t>
+              <a:t>Test that you have the </a:t>
+            </a:r>
+            <a:r>
+              <a:rPr lang="en-GB" dirty="0" smtClean="0"/>
+              <a:t>16F175xx </a:t>
+            </a:r>
+            <a:r>
+              <a:rPr lang="en-GB" dirty="0" smtClean="0"/>
+              <a:t>attached</a:t>
             </a:r>
           </a:p>
           <a:p>
@@ -13341,14 +13000,9 @@
           <a:p>
             <a:pPr marL="778521" lvl="1" indent="-478483"/>
             <a:r>
-              <a:rPr lang="en-GB" dirty="0" smtClean="0"/>
-              <a:t>GLCD </a:t>
-            </a:r>
-            <a:r>
-              <a:rPr lang="en-GB" dirty="0" smtClean="0"/>
-              <a:t>SPI device</a:t>
-            </a:r>
-            <a:endParaRPr lang="en-GB" dirty="0" smtClean="0"/>
+              <a:rPr lang="en-GB" b="1" dirty="0" smtClean="0"/>
+              <a:t>GLCD SPI device</a:t>
+            </a:r>
           </a:p>
         </p:txBody>
       </p:sp>
@@ -13404,138 +13058,6 @@
         </p:nvSpPr>
         <p:spPr/>
         <p:txBody>
-          <a:bodyPr/>
-          <a:lstStyle/>
-          <a:p>
-            <a:r>
-              <a:rPr lang="en-GB" dirty="0" smtClean="0"/>
-              <a:t>Power Domain – VDDIO2</a:t>
-            </a:r>
-            <a:endParaRPr lang="en-GB" dirty="0"/>
-          </a:p>
-        </p:txBody>
-      </p:sp>
-      <p:pic>
-        <p:nvPicPr>
-          <p:cNvPr id="4" name="Picture 2"/>
-          <p:cNvPicPr>
-            <a:picLocks noChangeAspect="1" noChangeArrowheads="1"/>
-          </p:cNvPicPr>
-          <p:nvPr/>
-        </p:nvPicPr>
-        <p:blipFill>
-          <a:blip r:embed="rId2">
-            <a:extLst>
-              <a:ext uri="{28A0092B-C50C-407E-A947-70E740481C1C}">
-                <a14:useLocalDpi xmlns:a14="http://schemas.microsoft.com/office/drawing/2010/main" val="0"/>
-              </a:ext>
-            </a:extLst>
-          </a:blip>
-          <a:srcRect/>
-          <a:stretch>
-            <a:fillRect/>
-          </a:stretch>
-        </p:blipFill>
-        <p:spPr bwMode="auto">
-          <a:xfrm>
-            <a:off x="1619672" y="987574"/>
-            <a:ext cx="4680520" cy="4086415"/>
-          </a:xfrm>
-          <a:prstGeom prst="rect">
-            <a:avLst/>
-          </a:prstGeom>
-          <a:noFill/>
-          <a:ln>
-            <a:noFill/>
-          </a:ln>
-          <a:effectLst/>
-          <a:extLst>
-            <a:ext uri="{909E8E84-426E-40DD-AFC4-6F175D3DCCD1}">
-              <a14:hiddenFill xmlns:a14="http://schemas.microsoft.com/office/drawing/2010/main">
-                <a:solidFill>
-                  <a:schemeClr val="accent1"/>
-                </a:solidFill>
-              </a14:hiddenFill>
-            </a:ext>
-            <a:ext uri="{91240B29-F687-4F45-9708-019B960494DF}">
-              <a14:hiddenLine xmlns:a14="http://schemas.microsoft.com/office/drawing/2010/main" w="9525">
-                <a:solidFill>
-                  <a:schemeClr val="tx1"/>
-                </a:solidFill>
-                <a:miter lim="800000"/>
-                <a:headEnd/>
-                <a:tailEnd/>
-              </a14:hiddenLine>
-            </a:ext>
-            <a:ext uri="{AF507438-7753-43E0-B8FC-AC1667EBCBE1}">
-              <a14:hiddenEffects xmlns:a14="http://schemas.microsoft.com/office/drawing/2010/main">
-                <a:effectLst>
-                  <a:outerShdw dist="35921" dir="2700000" algn="ctr" rotWithShape="0">
-                    <a:schemeClr val="bg2"/>
-                  </a:outerShdw>
-                </a:effectLst>
-              </a14:hiddenEffects>
-            </a:ext>
-          </a:extLst>
-        </p:spPr>
-      </p:pic>
-    </p:spTree>
-    <p:extLst>
-      <p:ext uri="{BB962C8B-B14F-4D97-AF65-F5344CB8AC3E}">
-        <p14:creationId xmlns:p14="http://schemas.microsoft.com/office/powerpoint/2010/main" val="1666153811"/>
-      </p:ext>
-    </p:extLst>
-  </p:cSld>
-  <p:clrMapOvr>
-    <a:masterClrMapping/>
-  </p:clrMapOvr>
-  <mc:AlternateContent xmlns:mc="http://schemas.openxmlformats.org/markup-compatibility/2006" xmlns:p14="http://schemas.microsoft.com/office/powerpoint/2010/main">
-    <mc:Choice Requires="p14">
-      <p:transition spd="slow" p14:dur="2000"/>
-    </mc:Choice>
-    <mc:Fallback xmlns="">
-      <p:transition spd="slow"/>
-    </mc:Fallback>
-  </mc:AlternateContent>
-  <p:timing>
-    <p:tnLst>
-      <p:par>
-        <p:cTn id="1" dur="indefinite" restart="never" nodeType="tmRoot"/>
-      </p:par>
-    </p:tnLst>
-  </p:timing>
-</p:sld>
-</file>
-
-<file path=ppt/slides/slide9.xml><?xml version="1.0" encoding="utf-8"?>
-<p:sld xmlns:a="http://schemas.openxmlformats.org/drawingml/2006/main" xmlns:r="http://schemas.openxmlformats.org/officeDocument/2006/relationships" xmlns:p="http://schemas.openxmlformats.org/presentationml/2006/main">
-  <p:cSld>
-    <p:spTree>
-      <p:nvGrpSpPr>
-        <p:cNvPr id="1" name=""/>
-        <p:cNvGrpSpPr/>
-        <p:nvPr/>
-      </p:nvGrpSpPr>
-      <p:grpSpPr>
-        <a:xfrm>
-          <a:off x="0" y="0"/>
-          <a:ext cx="0" cy="0"/>
-          <a:chOff x="0" y="0"/>
-          <a:chExt cx="0" cy="0"/>
-        </a:xfrm>
-      </p:grpSpPr>
-      <p:sp>
-        <p:nvSpPr>
-          <p:cNvPr id="2" name="Title 1"/>
-          <p:cNvSpPr>
-            <a:spLocks noGrp="1"/>
-          </p:cNvSpPr>
-          <p:nvPr>
-            <p:ph type="title"/>
-          </p:nvPr>
-        </p:nvSpPr>
-        <p:spPr/>
-        <p:txBody>
           <a:bodyPr vert="horz" lIns="85064" tIns="42531" rIns="85064" bIns="42531" rtlCol="0" anchor="ctr">
             <a:normAutofit/>
           </a:bodyPr>
@@ -13601,13 +13123,8 @@
             </a:r>
             <a:r>
               <a:rPr lang="en-GB" sz="2000" dirty="0" smtClean="0"/>
-              <a:t>to choose the device you wish to </a:t>
-            </a:r>
-            <a:r>
-              <a:rPr lang="en-GB" sz="2000" dirty="0" smtClean="0"/>
-              <a:t>control.</a:t>
-            </a:r>
-            <a:endParaRPr lang="en-GB" sz="2000" dirty="0" smtClean="0"/>
+              <a:t>to choose the device you wish to control.</a:t>
+            </a:r>
           </a:p>
           <a:p>
             <a:endParaRPr lang="en-GB" sz="2000" dirty="0" smtClean="0"/>
@@ -13726,12 +13243,453 @@
   <p:clrMapOvr>
     <a:masterClrMapping/>
   </p:clrMapOvr>
-  <mc:AlternateContent xmlns:mc="http://schemas.openxmlformats.org/markup-compatibility/2006">
-    <mc:Choice xmlns:p14="http://schemas.microsoft.com/office/powerpoint/2010/main" Requires="p14">
+  <mc:AlternateContent xmlns:mc="http://schemas.openxmlformats.org/markup-compatibility/2006" xmlns:p14="http://schemas.microsoft.com/office/powerpoint/2010/main">
+    <mc:Choice Requires="p14">
       <p:transition spd="slow" p14:dur="2000" advClick="0"/>
     </mc:Choice>
-    <mc:Fallback>
+    <mc:Fallback xmlns="">
       <p:transition spd="slow" advClick="0"/>
+    </mc:Fallback>
+  </mc:AlternateContent>
+  <p:timing>
+    <p:tnLst>
+      <p:par>
+        <p:cTn id="1" dur="indefinite" restart="never" nodeType="tmRoot"/>
+      </p:par>
+    </p:tnLst>
+  </p:timing>
+</p:sld>
+</file>
+
+<file path=ppt/slides/slide9.xml><?xml version="1.0" encoding="utf-8"?>
+<p:sld xmlns:a="http://schemas.openxmlformats.org/drawingml/2006/main" xmlns:r="http://schemas.openxmlformats.org/officeDocument/2006/relationships" xmlns:p="http://schemas.openxmlformats.org/presentationml/2006/main">
+  <p:cSld>
+    <p:spTree>
+      <p:nvGrpSpPr>
+        <p:cNvPr id="1" name=""/>
+        <p:cNvGrpSpPr/>
+        <p:nvPr/>
+      </p:nvGrpSpPr>
+      <p:grpSpPr>
+        <a:xfrm>
+          <a:off x="0" y="0"/>
+          <a:ext cx="0" cy="0"/>
+          <a:chOff x="0" y="0"/>
+          <a:chExt cx="0" cy="0"/>
+        </a:xfrm>
+      </p:grpSpPr>
+      <p:sp>
+        <p:nvSpPr>
+          <p:cNvPr id="2" name="Title 1"/>
+          <p:cNvSpPr>
+            <a:spLocks noGrp="1"/>
+          </p:cNvSpPr>
+          <p:nvPr>
+            <p:ph type="title"/>
+          </p:nvPr>
+        </p:nvSpPr>
+        <p:spPr/>
+        <p:txBody>
+          <a:bodyPr/>
+          <a:lstStyle/>
+          <a:p>
+            <a:pPr algn="l"/>
+            <a:r>
+              <a:rPr lang="en-GB" dirty="0" smtClean="0"/>
+              <a:t>Hardware</a:t>
+            </a:r>
+            <a:endParaRPr lang="en-GB" dirty="0"/>
+          </a:p>
+        </p:txBody>
+      </p:sp>
+      <p:sp>
+        <p:nvSpPr>
+          <p:cNvPr id="3" name="Content Placeholder 2"/>
+          <p:cNvSpPr>
+            <a:spLocks noGrp="1"/>
+          </p:cNvSpPr>
+          <p:nvPr>
+            <p:ph idx="1"/>
+          </p:nvPr>
+        </p:nvSpPr>
+        <p:spPr/>
+        <p:txBody>
+          <a:bodyPr/>
+          <a:lstStyle/>
+          <a:p>
+            <a:r>
+              <a:rPr lang="en-GB" dirty="0" smtClean="0"/>
+              <a:t>Prototype Board</a:t>
+            </a:r>
+            <a:endParaRPr lang="en-GB" dirty="0"/>
+          </a:p>
+          <a:p>
+            <a:r>
+              <a:rPr lang="en-GB" dirty="0" smtClean="0"/>
+              <a:t>Power 5v0</a:t>
+            </a:r>
+          </a:p>
+          <a:p>
+            <a:r>
+              <a:rPr lang="en-GB" dirty="0" smtClean="0"/>
+              <a:t>Programmer</a:t>
+            </a:r>
+          </a:p>
+          <a:p>
+            <a:r>
+              <a:rPr lang="en-GB" dirty="0" smtClean="0"/>
+              <a:t>LEDs &amp; resistors</a:t>
+            </a:r>
+          </a:p>
+          <a:p>
+            <a:r>
+              <a:rPr lang="en-GB" dirty="0" smtClean="0"/>
+              <a:t>Switches &amp; resistors</a:t>
+            </a:r>
+          </a:p>
+          <a:p>
+            <a:r>
+              <a:rPr lang="en-GB" dirty="0" smtClean="0"/>
+              <a:t>SPI device and circuit</a:t>
+            </a:r>
+          </a:p>
+          <a:p>
+            <a:endParaRPr lang="en-GB" dirty="0"/>
+          </a:p>
+        </p:txBody>
+      </p:sp>
+      <p:sp>
+        <p:nvSpPr>
+          <p:cNvPr id="5" name="TextBox 4"/>
+          <p:cNvSpPr txBox="1"/>
+          <p:nvPr/>
+        </p:nvSpPr>
+        <p:spPr>
+          <a:xfrm>
+            <a:off x="2843808" y="1295349"/>
+            <a:ext cx="4356653" cy="3339372"/>
+          </a:xfrm>
+          <a:prstGeom prst="rect">
+            <a:avLst/>
+          </a:prstGeom>
+          <a:solidFill>
+            <a:schemeClr val="bg1"/>
+          </a:solidFill>
+        </p:spPr>
+        <p:txBody>
+          <a:bodyPr wrap="square" lIns="121917" tIns="60958" rIns="121917" bIns="60958" rtlCol="0">
+            <a:spAutoFit/>
+          </a:bodyPr>
+          <a:lstStyle/>
+          <a:p>
+            <a:r>
+              <a:rPr lang="en-GB" sz="1100" dirty="0">
+                <a:latin typeface="Courier New" panose="02070309020205020404" pitchFamily="49" charset="0"/>
+                <a:cs typeface="Courier New" panose="02070309020205020404" pitchFamily="49" charset="0"/>
+              </a:rPr>
+              <a:t>    Hardware</a:t>
+            </a:r>
+          </a:p>
+          <a:p>
+            <a:r>
+              <a:rPr lang="en-GB" sz="1100" dirty="0">
+                <a:latin typeface="Courier New" panose="02070309020205020404" pitchFamily="49" charset="0"/>
+                <a:cs typeface="Courier New" panose="02070309020205020404" pitchFamily="49" charset="0"/>
+              </a:rPr>
+              <a:t>    -------------------PORTA----------------</a:t>
+            </a:r>
+          </a:p>
+          <a:p>
+            <a:r>
+              <a:rPr lang="en-GB" sz="1100" dirty="0">
+                <a:latin typeface="Courier New" panose="02070309020205020404" pitchFamily="49" charset="0"/>
+                <a:cs typeface="Courier New" panose="02070309020205020404" pitchFamily="49" charset="0"/>
+              </a:rPr>
+              <a:t>    Bit#:  -7---6---5---4---3---2---1---0---</a:t>
+            </a:r>
+          </a:p>
+          <a:p>
+            <a:r>
+              <a:rPr lang="en-GB" sz="1100" dirty="0">
+                <a:latin typeface="Courier New" panose="02070309020205020404" pitchFamily="49" charset="0"/>
+                <a:cs typeface="Courier New" panose="02070309020205020404" pitchFamily="49" charset="0"/>
+              </a:rPr>
+              <a:t>    IO:    ----------------SW----------ADC-- </a:t>
+            </a:r>
+          </a:p>
+          <a:p>
+            <a:r>
+              <a:rPr lang="en-GB" sz="1100" dirty="0">
+                <a:latin typeface="Courier New" panose="02070309020205020404" pitchFamily="49" charset="0"/>
+                <a:cs typeface="Courier New" panose="02070309020205020404" pitchFamily="49" charset="0"/>
+              </a:rPr>
+              <a:t>    ----------------------------------------</a:t>
+            </a:r>
+          </a:p>
+          <a:p>
+            <a:r>
+              <a:rPr lang="en-GB" sz="1100" dirty="0">
+                <a:latin typeface="Courier New" panose="02070309020205020404" pitchFamily="49" charset="0"/>
+                <a:cs typeface="Courier New" panose="02070309020205020404" pitchFamily="49" charset="0"/>
+              </a:rPr>
+              <a:t/>
+            </a:r>
+            <a:br>
+              <a:rPr lang="en-GB" sz="1100" dirty="0">
+                <a:latin typeface="Courier New" panose="02070309020205020404" pitchFamily="49" charset="0"/>
+                <a:cs typeface="Courier New" panose="02070309020205020404" pitchFamily="49" charset="0"/>
+              </a:rPr>
+            </a:br>
+            <a:r>
+              <a:rPr lang="en-GB" sz="1100" dirty="0">
+                <a:latin typeface="Courier New" panose="02070309020205020404" pitchFamily="49" charset="0"/>
+                <a:cs typeface="Courier New" panose="02070309020205020404" pitchFamily="49" charset="0"/>
+              </a:rPr>
+              <a:t>    -------------------PORTB----------------</a:t>
+            </a:r>
+          </a:p>
+          <a:p>
+            <a:r>
+              <a:rPr lang="en-GB" sz="1100" dirty="0">
+                <a:latin typeface="Courier New" panose="02070309020205020404" pitchFamily="49" charset="0"/>
+                <a:cs typeface="Courier New" panose="02070309020205020404" pitchFamily="49" charset="0"/>
+              </a:rPr>
+              <a:t>    Bit#:  -7---6---5---4---3---2---1---0---</a:t>
+            </a:r>
+          </a:p>
+          <a:p>
+            <a:r>
+              <a:rPr lang="en-GB" sz="1100" dirty="0">
+                <a:latin typeface="Courier New" panose="02070309020205020404" pitchFamily="49" charset="0"/>
+                <a:cs typeface="Courier New" panose="02070309020205020404" pitchFamily="49" charset="0"/>
+              </a:rPr>
+              <a:t>    IO:    </a:t>
+            </a:r>
+            <a:r>
+              <a:rPr lang="en-GB" sz="1100" dirty="0" smtClean="0">
+                <a:latin typeface="Courier New" panose="02070309020205020404" pitchFamily="49" charset="0"/>
+                <a:cs typeface="Courier New" panose="02070309020205020404" pitchFamily="49" charset="0"/>
+              </a:rPr>
+              <a:t>---------------------------------</a:t>
+            </a:r>
+            <a:endParaRPr lang="en-GB" sz="1100" dirty="0">
+              <a:latin typeface="Courier New" panose="02070309020205020404" pitchFamily="49" charset="0"/>
+              <a:cs typeface="Courier New" panose="02070309020205020404" pitchFamily="49" charset="0"/>
+            </a:endParaRPr>
+          </a:p>
+          <a:p>
+            <a:r>
+              <a:rPr lang="en-GB" sz="1100" dirty="0">
+                <a:latin typeface="Courier New" panose="02070309020205020404" pitchFamily="49" charset="0"/>
+                <a:cs typeface="Courier New" panose="02070309020205020404" pitchFamily="49" charset="0"/>
+              </a:rPr>
+              <a:t>    ----------------------------------------</a:t>
+            </a:r>
+          </a:p>
+          <a:p>
+            <a:r>
+              <a:rPr lang="en-GB" sz="1100" dirty="0">
+                <a:latin typeface="Courier New" panose="02070309020205020404" pitchFamily="49" charset="0"/>
+                <a:cs typeface="Courier New" panose="02070309020205020404" pitchFamily="49" charset="0"/>
+              </a:rPr>
+              <a:t>    </a:t>
+            </a:r>
+          </a:p>
+          <a:p>
+            <a:r>
+              <a:rPr lang="en-GB" sz="1100" dirty="0">
+                <a:latin typeface="Courier New" panose="02070309020205020404" pitchFamily="49" charset="0"/>
+                <a:cs typeface="Courier New" panose="02070309020205020404" pitchFamily="49" charset="0"/>
+              </a:rPr>
+              <a:t> </a:t>
+            </a:r>
+            <a:r>
+              <a:rPr lang="en-GB" sz="1100" dirty="0" smtClean="0">
+                <a:latin typeface="Courier New" panose="02070309020205020404" pitchFamily="49" charset="0"/>
+                <a:cs typeface="Courier New" panose="02070309020205020404" pitchFamily="49" charset="0"/>
+              </a:rPr>
+              <a:t>   ------------------</a:t>
+            </a:r>
+            <a:r>
+              <a:rPr lang="en-GB" sz="1100" b="1" dirty="0">
+                <a:latin typeface="Courier New" panose="02070309020205020404" pitchFamily="49" charset="0"/>
+                <a:cs typeface="Courier New" panose="02070309020205020404" pitchFamily="49" charset="0"/>
+              </a:rPr>
+              <a:t>PORTC-</a:t>
+            </a:r>
+            <a:r>
+              <a:rPr lang="en-GB" sz="1100" dirty="0" smtClean="0">
+                <a:latin typeface="Courier New" panose="02070309020205020404" pitchFamily="49" charset="0"/>
+                <a:cs typeface="Courier New" panose="02070309020205020404" pitchFamily="49" charset="0"/>
+              </a:rPr>
+              <a:t>----------------</a:t>
+            </a:r>
+          </a:p>
+          <a:p>
+            <a:r>
+              <a:rPr lang="en-GB" sz="1100" dirty="0">
+                <a:latin typeface="Courier New" panose="02070309020205020404" pitchFamily="49" charset="0"/>
+                <a:cs typeface="Courier New" panose="02070309020205020404" pitchFamily="49" charset="0"/>
+              </a:rPr>
+              <a:t> </a:t>
+            </a:r>
+            <a:r>
+              <a:rPr lang="en-GB" sz="1100" dirty="0" smtClean="0">
+                <a:latin typeface="Courier New" panose="02070309020205020404" pitchFamily="49" charset="0"/>
+                <a:cs typeface="Courier New" panose="02070309020205020404" pitchFamily="49" charset="0"/>
+              </a:rPr>
+              <a:t>   Bit</a:t>
+            </a:r>
+            <a:r>
+              <a:rPr lang="en-GB" sz="1100" dirty="0">
+                <a:latin typeface="Courier New" panose="02070309020205020404" pitchFamily="49" charset="0"/>
+                <a:cs typeface="Courier New" panose="02070309020205020404" pitchFamily="49" charset="0"/>
+              </a:rPr>
+              <a:t>#:  -7---6---5---4---3---2---1---0-</a:t>
+            </a:r>
+            <a:r>
+              <a:rPr lang="en-GB" sz="1100" dirty="0" smtClean="0">
+                <a:latin typeface="Courier New" panose="02070309020205020404" pitchFamily="49" charset="0"/>
+                <a:cs typeface="Courier New" panose="02070309020205020404" pitchFamily="49" charset="0"/>
+              </a:rPr>
+              <a:t>--</a:t>
+            </a:r>
+          </a:p>
+          <a:p>
+            <a:r>
+              <a:rPr lang="en-GB" sz="1100" dirty="0">
+                <a:latin typeface="Courier New" panose="02070309020205020404" pitchFamily="49" charset="0"/>
+                <a:cs typeface="Courier New" panose="02070309020205020404" pitchFamily="49" charset="0"/>
+              </a:rPr>
+              <a:t> </a:t>
+            </a:r>
+            <a:r>
+              <a:rPr lang="en-GB" sz="1100" dirty="0" smtClean="0">
+                <a:latin typeface="Courier New" panose="02070309020205020404" pitchFamily="49" charset="0"/>
+                <a:cs typeface="Courier New" panose="02070309020205020404" pitchFamily="49" charset="0"/>
+              </a:rPr>
+              <a:t>   IO</a:t>
+            </a:r>
+            <a:r>
+              <a:rPr lang="en-GB" sz="1100" dirty="0">
+                <a:latin typeface="Courier New" panose="02070309020205020404" pitchFamily="49" charset="0"/>
+                <a:cs typeface="Courier New" panose="02070309020205020404" pitchFamily="49" charset="0"/>
+              </a:rPr>
+              <a:t>:    ----</a:t>
+            </a:r>
+            <a:r>
+              <a:rPr lang="en-GB" sz="1100" b="1" dirty="0" smtClean="0">
+                <a:latin typeface="Courier New" panose="02070309020205020404" pitchFamily="49" charset="0"/>
+                <a:cs typeface="Courier New" panose="02070309020205020404" pitchFamily="49" charset="0"/>
+              </a:rPr>
+              <a:t>TX1-SDO-SCK-----</a:t>
+            </a:r>
+            <a:r>
+              <a:rPr lang="en-GB" sz="1100" b="1" dirty="0">
+                <a:latin typeface="Courier New" panose="02070309020205020404" pitchFamily="49" charset="0"/>
+                <a:cs typeface="Courier New" panose="02070309020205020404" pitchFamily="49" charset="0"/>
+              </a:rPr>
+              <a:t>RST--CS--</a:t>
+            </a:r>
+            <a:r>
+              <a:rPr lang="en-GB" sz="1100" b="1" dirty="0" smtClean="0">
+                <a:latin typeface="Courier New" panose="02070309020205020404" pitchFamily="49" charset="0"/>
+                <a:cs typeface="Courier New" panose="02070309020205020404" pitchFamily="49" charset="0"/>
+              </a:rPr>
+              <a:t>DC</a:t>
+            </a:r>
+            <a:r>
+              <a:rPr lang="en-GB" sz="1100" dirty="0" smtClean="0">
+                <a:latin typeface="Courier New" panose="02070309020205020404" pitchFamily="49" charset="0"/>
+                <a:cs typeface="Courier New" panose="02070309020205020404" pitchFamily="49" charset="0"/>
+              </a:rPr>
+              <a:t>—</a:t>
+            </a:r>
+          </a:p>
+          <a:p>
+            <a:r>
+              <a:rPr lang="en-GB" sz="1100" dirty="0">
+                <a:latin typeface="Courier New" panose="02070309020205020404" pitchFamily="49" charset="0"/>
+                <a:cs typeface="Courier New" panose="02070309020205020404" pitchFamily="49" charset="0"/>
+              </a:rPr>
+              <a:t> </a:t>
+            </a:r>
+            <a:r>
+              <a:rPr lang="en-GB" sz="1100" dirty="0" smtClean="0">
+                <a:latin typeface="Courier New" panose="02070309020205020404" pitchFamily="49" charset="0"/>
+                <a:cs typeface="Courier New" panose="02070309020205020404" pitchFamily="49" charset="0"/>
+              </a:rPr>
+              <a:t>   -----------------------------------------  </a:t>
+            </a:r>
+          </a:p>
+          <a:p>
+            <a:r>
+              <a:rPr lang="en-GB" sz="1100" dirty="0">
+                <a:latin typeface="Courier New" panose="02070309020205020404" pitchFamily="49" charset="0"/>
+                <a:cs typeface="Courier New" panose="02070309020205020404" pitchFamily="49" charset="0"/>
+              </a:rPr>
+              <a:t>  </a:t>
+            </a:r>
+          </a:p>
+          <a:p>
+            <a:r>
+              <a:rPr lang="en-GB" sz="1100" dirty="0">
+                <a:latin typeface="Courier New" panose="02070309020205020404" pitchFamily="49" charset="0"/>
+                <a:cs typeface="Courier New" panose="02070309020205020404" pitchFamily="49" charset="0"/>
+              </a:rPr>
+              <a:t>    ------------------PORTE-----------------</a:t>
+            </a:r>
+          </a:p>
+          <a:p>
+            <a:r>
+              <a:rPr lang="en-GB" sz="1100" dirty="0">
+                <a:latin typeface="Courier New" panose="02070309020205020404" pitchFamily="49" charset="0"/>
+                <a:cs typeface="Courier New" panose="02070309020205020404" pitchFamily="49" charset="0"/>
+              </a:rPr>
+              <a:t>    Bit#:  -----------------3---------------</a:t>
+            </a:r>
+          </a:p>
+          <a:p>
+            <a:r>
+              <a:rPr lang="en-GB" sz="1100" dirty="0">
+                <a:latin typeface="Courier New" panose="02070309020205020404" pitchFamily="49" charset="0"/>
+                <a:cs typeface="Courier New" panose="02070309020205020404" pitchFamily="49" charset="0"/>
+              </a:rPr>
+              <a:t>    IO:    </a:t>
+            </a:r>
+            <a:r>
+              <a:rPr lang="en-GB" sz="1100" dirty="0" smtClean="0">
+                <a:latin typeface="Courier New" panose="02070309020205020404" pitchFamily="49" charset="0"/>
+                <a:cs typeface="Courier New" panose="02070309020205020404" pitchFamily="49" charset="0"/>
+              </a:rPr>
+              <a:t>----------------MCLR-</a:t>
+            </a:r>
+            <a:r>
+              <a:rPr lang="en-GB" sz="1100" dirty="0">
+                <a:latin typeface="Courier New" panose="02070309020205020404" pitchFamily="49" charset="0"/>
+                <a:cs typeface="Courier New" panose="02070309020205020404" pitchFamily="49" charset="0"/>
+              </a:rPr>
+              <a:t>-------------</a:t>
+            </a:r>
+          </a:p>
+        </p:txBody>
+      </p:sp>
+    </p:spTree>
+    <p:extLst>
+      <p:ext uri="{BB962C8B-B14F-4D97-AF65-F5344CB8AC3E}">
+        <p14:creationId xmlns:p14="http://schemas.microsoft.com/office/powerpoint/2010/main" val="3213168251"/>
+      </p:ext>
+    </p:extLst>
+  </p:cSld>
+  <p:clrMapOvr>
+    <a:masterClrMapping/>
+  </p:clrMapOvr>
+  <mc:AlternateContent xmlns:mc="http://schemas.openxmlformats.org/markup-compatibility/2006" xmlns:p14="http://schemas.microsoft.com/office/powerpoint/2010/main">
+    <mc:Choice Requires="p14">
+      <p:transition spd="slow" p14:dur="2000"/>
+    </mc:Choice>
+    <mc:Fallback xmlns="">
+      <p:transition spd="slow"/>
     </mc:Fallback>
   </mc:AlternateContent>
   <p:timing>
@@ -13935,7 +13893,7 @@
   <a:extraClrSchemeLst/>
   <a:extLst>
     <a:ext uri="{05A4C25C-085E-4340-85A3-A5531E510DB2}">
-      <thm15:themeFamily xmlns:thm15="http://schemas.microsoft.com/office/thememl/2012/main" xmlns="" name="GCstudioThemeLight" id="{4C740F94-33C0-4EEC-9234-F56C348A0987}" vid="{A43F8B96-90D8-489D-B80F-92F9D6F351CC}"/>
+      <thm15:themeFamily xmlns="" xmlns:thm15="http://schemas.microsoft.com/office/thememl/2012/main" name="GCstudioThemeLight" id="{4C740F94-33C0-4EEC-9234-F56C348A0987}" vid="{A43F8B96-90D8-489D-B80F-92F9D6F351CC}"/>
     </a:ext>
   </a:extLst>
 </a:theme>
